--- a/luces en la niebla.pptx
+++ b/luces en la niebla.pptx
@@ -5,7 +5,7 @@
     <p:sldMasterId id="2147483648" r:id="rId1"/>
   </p:sldMasterIdLst>
   <p:notesMasterIdLst>
-    <p:notesMasterId r:id="rId12"/>
+    <p:notesMasterId r:id="rId14"/>
   </p:notesMasterIdLst>
   <p:sldIdLst>
     <p:sldId id="256" r:id="rId2"/>
@@ -15,9 +15,11 @@
     <p:sldId id="260" r:id="rId6"/>
     <p:sldId id="262" r:id="rId7"/>
     <p:sldId id="263" r:id="rId8"/>
-    <p:sldId id="264" r:id="rId9"/>
-    <p:sldId id="265" r:id="rId10"/>
-    <p:sldId id="266" r:id="rId11"/>
+    <p:sldId id="267" r:id="rId9"/>
+    <p:sldId id="264" r:id="rId10"/>
+    <p:sldId id="268" r:id="rId11"/>
+    <p:sldId id="266" r:id="rId12"/>
+    <p:sldId id="265" r:id="rId13"/>
   </p:sldIdLst>
   <p:sldSz cx="12192000" cy="6858000"/>
   <p:notesSz cx="6858000" cy="9144000"/>
@@ -3771,7 +3773,7 @@
           <a:p>
             <a:fld id="{54D42A37-A779-DA4B-8EB6-DEC62D17CADF}" type="datetimeFigureOut">
               <a:rPr lang="en-CO" smtClean="0"/>
-              <a:t>27/01/21</a:t>
+              <a:t>01/27/2021</a:t>
             </a:fld>
             <a:endParaRPr lang="en-CO"/>
           </a:p>
@@ -3930,7 +3932,7 @@
           <a:p>
             <a:fld id="{D291681C-0715-5F41-95BF-C7EF605801C6}" type="slidenum">
               <a:rPr lang="en-CO" smtClean="0"/>
-              <a:t>‹#›</a:t>
+              <a:t>‹Nº›</a:t>
             </a:fld>
             <a:endParaRPr lang="en-CO"/>
           </a:p>
@@ -4424,7 +4426,7 @@
           <a:p>
             <a:fld id="{9AB3A824-1A51-4B26-AD58-A6D8E14F6C04}" type="datetimeFigureOut">
               <a:rPr lang="en-US" dirty="0"/>
-              <a:t>1/27/21</a:t>
+              <a:t>1/27/2021</a:t>
             </a:fld>
             <a:endParaRPr lang="en-US" dirty="0"/>
           </a:p>
@@ -4470,7 +4472,7 @@
           <a:p>
             <a:fld id="{6D22F896-40B5-4ADD-8801-0D06FADFA095}" type="slidenum">
               <a:rPr lang="en-US" dirty="0"/>
-              <a:t>‹#›</a:t>
+              <a:t>‹Nº›</a:t>
             </a:fld>
             <a:endParaRPr lang="en-US" dirty="0"/>
           </a:p>
@@ -4758,7 +4760,7 @@
           <a:p>
             <a:fld id="{D857E33E-8B18-4087-B112-809917729534}" type="datetimeFigureOut">
               <a:rPr lang="en-US" dirty="0"/>
-              <a:t>1/27/21</a:t>
+              <a:t>1/27/2021</a:t>
             </a:fld>
             <a:endParaRPr lang="en-US" dirty="0"/>
           </a:p>
@@ -4804,7 +4806,7 @@
           <a:p>
             <a:fld id="{6D22F896-40B5-4ADD-8801-0D06FADFA095}" type="slidenum">
               <a:rPr lang="en-US" dirty="0"/>
-              <a:t>‹#›</a:t>
+              <a:t>‹Nº›</a:t>
             </a:fld>
             <a:endParaRPr lang="en-US" dirty="0"/>
           </a:p>
@@ -5060,7 +5062,7 @@
           <a:p>
             <a:fld id="{D3FFE419-2371-464F-8239-3959401C3561}" type="datetimeFigureOut">
               <a:rPr lang="en-US" dirty="0"/>
-              <a:t>1/27/21</a:t>
+              <a:t>1/27/2021</a:t>
             </a:fld>
             <a:endParaRPr lang="en-US" dirty="0"/>
           </a:p>
@@ -5106,7 +5108,7 @@
           <a:p>
             <a:fld id="{6D22F896-40B5-4ADD-8801-0D06FADFA095}" type="slidenum">
               <a:rPr lang="en-US" dirty="0"/>
-              <a:t>‹#›</a:t>
+              <a:t>‹Nº›</a:t>
             </a:fld>
             <a:endParaRPr lang="en-US" dirty="0"/>
           </a:p>
@@ -5307,7 +5309,7 @@
           <a:p>
             <a:fld id="{97D162C4-EDD9-4389-A98B-B87ECEA2A816}" type="datetimeFigureOut">
               <a:rPr lang="en-US" dirty="0"/>
-              <a:t>1/27/21</a:t>
+              <a:t>1/27/2021</a:t>
             </a:fld>
             <a:endParaRPr lang="en-US" dirty="0"/>
           </a:p>
@@ -5353,7 +5355,7 @@
           <a:p>
             <a:fld id="{6D22F896-40B5-4ADD-8801-0D06FADFA095}" type="slidenum">
               <a:rPr lang="en-US" dirty="0"/>
-              <a:t>‹#›</a:t>
+              <a:t>‹Nº›</a:t>
             </a:fld>
             <a:endParaRPr lang="en-US" dirty="0"/>
           </a:p>
@@ -5714,7 +5716,7 @@
           <a:p>
             <a:fld id="{3E5059C3-6A89-4494-99FF-5A4D6FFD50EB}" type="datetimeFigureOut">
               <a:rPr lang="en-US" dirty="0"/>
-              <a:t>1/27/21</a:t>
+              <a:t>1/27/2021</a:t>
             </a:fld>
             <a:endParaRPr lang="en-US" dirty="0"/>
           </a:p>
@@ -5760,7 +5762,7 @@
           <a:p>
             <a:fld id="{6D22F896-40B5-4ADD-8801-0D06FADFA095}" type="slidenum">
               <a:rPr lang="en-US" dirty="0"/>
-              <a:t>‹#›</a:t>
+              <a:t>‹Nº›</a:t>
             </a:fld>
             <a:endParaRPr lang="en-US" dirty="0"/>
           </a:p>
@@ -6028,7 +6030,7 @@
           <a:p>
             <a:fld id="{CA954B2F-12DE-47F5-8894-472B206D2E1E}" type="datetimeFigureOut">
               <a:rPr lang="en-US" dirty="0"/>
-              <a:t>1/27/21</a:t>
+              <a:t>1/27/2021</a:t>
             </a:fld>
             <a:endParaRPr lang="en-US" dirty="0"/>
           </a:p>
@@ -6074,7 +6076,7 @@
           <a:p>
             <a:fld id="{6D22F896-40B5-4ADD-8801-0D06FADFA095}" type="slidenum">
               <a:rPr lang="en-US" dirty="0"/>
-              <a:t>‹#›</a:t>
+              <a:t>‹Nº›</a:t>
             </a:fld>
             <a:endParaRPr lang="en-US" dirty="0"/>
           </a:p>
@@ -6572,7 +6574,7 @@
           <a:p>
             <a:fld id="{3F30E46F-7819-4ACF-B48B-48222C2ACC88}" type="datetimeFigureOut">
               <a:rPr lang="en-US" dirty="0"/>
-              <a:t>1/27/21</a:t>
+              <a:t>1/27/2021</a:t>
             </a:fld>
             <a:endParaRPr lang="en-US" dirty="0"/>
           </a:p>
@@ -6618,7 +6620,7 @@
           <a:p>
             <a:fld id="{6D22F896-40B5-4ADD-8801-0D06FADFA095}" type="slidenum">
               <a:rPr lang="en-US" dirty="0"/>
-              <a:t>‹#›</a:t>
+              <a:t>‹Nº›</a:t>
             </a:fld>
             <a:endParaRPr lang="en-US" dirty="0"/>
           </a:p>
@@ -6767,7 +6769,7 @@
           <a:p>
             <a:fld id="{1FAF3416-4057-4DAA-829D-4CA07428D088}" type="datetimeFigureOut">
               <a:rPr lang="en-US" dirty="0"/>
-              <a:t>1/27/21</a:t>
+              <a:t>1/27/2021</a:t>
             </a:fld>
             <a:endParaRPr lang="en-US" dirty="0"/>
           </a:p>
@@ -6813,7 +6815,7 @@
           <a:p>
             <a:fld id="{6D22F896-40B5-4ADD-8801-0D06FADFA095}" type="slidenum">
               <a:rPr lang="en-US" dirty="0"/>
-              <a:t>‹#›</a:t>
+              <a:t>‹Nº›</a:t>
             </a:fld>
             <a:endParaRPr lang="en-US" dirty="0"/>
           </a:p>
@@ -6980,7 +6982,7 @@
           <a:p>
             <a:fld id="{921D9284-D300-4297-87F7-E791DCC15DB1}" type="datetimeFigureOut">
               <a:rPr lang="en-US" dirty="0"/>
-              <a:t>1/27/21</a:t>
+              <a:t>1/27/2021</a:t>
             </a:fld>
             <a:endParaRPr lang="en-US" dirty="0"/>
           </a:p>
@@ -7026,7 +7028,7 @@
           <a:p>
             <a:fld id="{6D22F896-40B5-4ADD-8801-0D06FADFA095}" type="slidenum">
               <a:rPr lang="en-US" dirty="0"/>
-              <a:t>‹#›</a:t>
+              <a:t>‹Nº›</a:t>
             </a:fld>
             <a:endParaRPr lang="en-US" dirty="0"/>
           </a:p>
@@ -7349,7 +7351,7 @@
           <a:p>
             <a:fld id="{37D525BB-DA17-4BA0-B3C8-3AC3ABC827E6}" type="datetimeFigureOut">
               <a:rPr lang="en-US" dirty="0"/>
-              <a:t>1/27/21</a:t>
+              <a:t>1/27/2021</a:t>
             </a:fld>
             <a:endParaRPr lang="en-US" dirty="0"/>
           </a:p>
@@ -7395,7 +7397,7 @@
           <a:p>
             <a:fld id="{6D22F896-40B5-4ADD-8801-0D06FADFA095}" type="slidenum">
               <a:rPr lang="en-US" dirty="0"/>
-              <a:t>‹#›</a:t>
+              <a:t>‹Nº›</a:t>
             </a:fld>
             <a:endParaRPr lang="en-US" dirty="0"/>
           </a:p>
@@ -7752,7 +7754,7 @@
           <a:p>
             <a:fld id="{B16C4C9A-3960-41CF-A4E9-2A8FB932454B}" type="datetimeFigureOut">
               <a:rPr lang="en-US" dirty="0"/>
-              <a:t>1/27/21</a:t>
+              <a:t>1/27/2021</a:t>
             </a:fld>
             <a:endParaRPr lang="en-US" dirty="0"/>
           </a:p>
@@ -7798,7 +7800,7 @@
           <a:p>
             <a:fld id="{6D22F896-40B5-4ADD-8801-0D06FADFA095}" type="slidenum">
               <a:rPr lang="en-US" dirty="0"/>
-              <a:t>‹#›</a:t>
+              <a:t>‹Nº›</a:t>
             </a:fld>
             <a:endParaRPr lang="en-US" dirty="0"/>
           </a:p>
@@ -8063,7 +8065,7 @@
           <a:p>
             <a:fld id="{3CBC1C18-307B-4F68-A007-B5B542270E8D}" type="datetimeFigureOut">
               <a:rPr lang="en-US" dirty="0"/>
-              <a:t>1/27/21</a:t>
+              <a:t>1/27/2021</a:t>
             </a:fld>
             <a:endParaRPr lang="en-US" dirty="0"/>
           </a:p>
@@ -8146,7 +8148,7 @@
             <a:fld id="{6D22F896-40B5-4ADD-8801-0D06FADFA095}" type="slidenum">
               <a:rPr lang="en-US" dirty="0"/>
               <a:pPr/>
-              <a:t>‹#›</a:t>
+              <a:t>‹Nº›</a:t>
             </a:fld>
             <a:endParaRPr lang="en-US" dirty="0"/>
           </a:p>
@@ -9033,6 +9035,111 @@
       </p:grpSpPr>
       <p:sp>
         <p:nvSpPr>
+          <p:cNvPr id="2" name="Título 1">
+            <a:extLst>
+              <a:ext uri="{FF2B5EF4-FFF2-40B4-BE49-F238E27FC236}">
+                <a16:creationId xmlns:a16="http://schemas.microsoft.com/office/drawing/2014/main" id="{4A0A5D48-6F97-4BA1-8F1D-6F8D0F9D6E32}"/>
+              </a:ext>
+            </a:extLst>
+          </p:cNvPr>
+          <p:cNvSpPr>
+            <a:spLocks noGrp="1"/>
+          </p:cNvSpPr>
+          <p:nvPr>
+            <p:ph type="title"/>
+          </p:nvPr>
+        </p:nvSpPr>
+        <p:spPr/>
+        <p:txBody>
+          <a:bodyPr>
+            <a:normAutofit fontScale="90000"/>
+          </a:bodyPr>
+          <a:lstStyle/>
+          <a:p>
+            <a:r>
+              <a:rPr lang="en-CO" dirty="0"/>
+              <a:t>Luces en la niebla: </a:t>
+            </a:r>
+            <a:r>
+              <a:rPr lang="es-MX" dirty="0">
+                <a:latin typeface="Segoe UI" panose="020B0502040204020203" pitchFamily="34" charset="0"/>
+              </a:rPr>
+              <a:t>H</a:t>
+            </a:r>
+            <a:r>
+              <a:rPr lang="es-MX" b="0" i="0" dirty="0">
+                <a:effectLst/>
+                <a:latin typeface="Segoe UI" panose="020B0502040204020203" pitchFamily="34" charset="0"/>
+              </a:rPr>
+              <a:t>ábitos de lectura en las mujeres en el XIX</a:t>
+            </a:r>
+            <a:br>
+              <a:rPr lang="es-MX" b="0" i="0" dirty="0">
+                <a:effectLst/>
+                <a:latin typeface="Segoe UI" panose="020B0502040204020203" pitchFamily="34" charset="0"/>
+              </a:rPr>
+            </a:br>
+            <a:endParaRPr lang="es-CO" dirty="0"/>
+          </a:p>
+        </p:txBody>
+      </p:sp>
+      <p:sp>
+        <p:nvSpPr>
+          <p:cNvPr id="3" name="Marcador de contenido 2">
+            <a:extLst>
+              <a:ext uri="{FF2B5EF4-FFF2-40B4-BE49-F238E27FC236}">
+                <a16:creationId xmlns:a16="http://schemas.microsoft.com/office/drawing/2014/main" id="{FAD37C66-374E-4DEA-B703-86327AD9C670}"/>
+              </a:ext>
+            </a:extLst>
+          </p:cNvPr>
+          <p:cNvSpPr>
+            <a:spLocks noGrp="1"/>
+          </p:cNvSpPr>
+          <p:nvPr>
+            <p:ph idx="1"/>
+          </p:nvPr>
+        </p:nvSpPr>
+        <p:spPr/>
+        <p:txBody>
+          <a:bodyPr/>
+          <a:lstStyle/>
+          <a:p>
+            <a:endParaRPr lang="es-CO" dirty="0"/>
+          </a:p>
+        </p:txBody>
+      </p:sp>
+    </p:spTree>
+    <p:extLst>
+      <p:ext uri="{BB962C8B-B14F-4D97-AF65-F5344CB8AC3E}">
+        <p14:creationId xmlns:p14="http://schemas.microsoft.com/office/powerpoint/2010/main" val="3148053225"/>
+      </p:ext>
+    </p:extLst>
+  </p:cSld>
+  <p:clrMapOvr>
+    <a:masterClrMapping/>
+  </p:clrMapOvr>
+</p:sld>
+</file>
+
+<file path=ppt/slides/slide11.xml><?xml version="1.0" encoding="utf-8"?>
+<p:sld xmlns:a="http://schemas.openxmlformats.org/drawingml/2006/main" xmlns:r="http://schemas.openxmlformats.org/officeDocument/2006/relationships" xmlns:p="http://schemas.openxmlformats.org/presentationml/2006/main">
+  <p:cSld>
+    <p:spTree>
+      <p:nvGrpSpPr>
+        <p:cNvPr id="1" name=""/>
+        <p:cNvGrpSpPr/>
+        <p:nvPr/>
+      </p:nvGrpSpPr>
+      <p:grpSpPr>
+        <a:xfrm>
+          <a:off x="0" y="0"/>
+          <a:ext cx="0" cy="0"/>
+          <a:chOff x="0" y="0"/>
+          <a:chExt cx="0" cy="0"/>
+        </a:xfrm>
+      </p:grpSpPr>
+      <p:sp>
+        <p:nvSpPr>
           <p:cNvPr id="2" name="Title 1">
             <a:extLst>
               <a:ext uri="{FF2B5EF4-FFF2-40B4-BE49-F238E27FC236}">
@@ -9054,8 +9161,13 @@
           <a:p>
             <a:r>
               <a:rPr lang="en-CO" dirty="0"/>
-              <a:t>El cuidado de la verdad</a:t>
-            </a:r>
+              <a:t>Luces en la niebla: </a:t>
+            </a:r>
+            <a:r>
+              <a:rPr lang="es-419" dirty="0"/>
+              <a:t>Virtudes epistémicas</a:t>
+            </a:r>
+            <a:endParaRPr lang="en-CO" dirty="0"/>
           </a:p>
         </p:txBody>
       </p:sp>
@@ -9080,7 +9192,35 @@
           <a:bodyPr/>
           <a:lstStyle/>
           <a:p>
-            <a:endParaRPr lang="en-CO"/>
+            <a:r>
+              <a:rPr lang="es-419" dirty="0"/>
+              <a:t>Asombro y perplejidad</a:t>
+            </a:r>
+          </a:p>
+          <a:p>
+            <a:r>
+              <a:rPr lang="es-419" dirty="0"/>
+              <a:t>Pensamiento crítico</a:t>
+            </a:r>
+          </a:p>
+          <a:p>
+            <a:r>
+              <a:rPr lang="es-419" dirty="0"/>
+              <a:t>Cuidado de la verdad</a:t>
+            </a:r>
+          </a:p>
+          <a:p>
+            <a:r>
+              <a:rPr lang="es-419" dirty="0"/>
+              <a:t>Justicia</a:t>
+            </a:r>
+          </a:p>
+          <a:p>
+            <a:r>
+              <a:rPr lang="es-419" dirty="0"/>
+              <a:t> Autoconsciencia</a:t>
+            </a:r>
+            <a:endParaRPr lang="en-CO" dirty="0"/>
           </a:p>
         </p:txBody>
       </p:sp>
@@ -9088,6 +9228,179 @@
     <p:extLst>
       <p:ext uri="{BB962C8B-B14F-4D97-AF65-F5344CB8AC3E}">
         <p14:creationId xmlns:p14="http://schemas.microsoft.com/office/powerpoint/2010/main" val="1634647308"/>
+      </p:ext>
+    </p:extLst>
+  </p:cSld>
+  <p:clrMapOvr>
+    <a:masterClrMapping/>
+  </p:clrMapOvr>
+</p:sld>
+</file>
+
+<file path=ppt/slides/slide12.xml><?xml version="1.0" encoding="utf-8"?>
+<p:sld xmlns:a="http://schemas.openxmlformats.org/drawingml/2006/main" xmlns:r="http://schemas.openxmlformats.org/officeDocument/2006/relationships" xmlns:p="http://schemas.openxmlformats.org/presentationml/2006/main">
+  <p:cSld>
+    <p:spTree>
+      <p:nvGrpSpPr>
+        <p:cNvPr id="1" name=""/>
+        <p:cNvGrpSpPr/>
+        <p:nvPr/>
+      </p:nvGrpSpPr>
+      <p:grpSpPr>
+        <a:xfrm>
+          <a:off x="0" y="0"/>
+          <a:ext cx="0" cy="0"/>
+          <a:chOff x="0" y="0"/>
+          <a:chExt cx="0" cy="0"/>
+        </a:xfrm>
+      </p:grpSpPr>
+      <p:sp>
+        <p:nvSpPr>
+          <p:cNvPr id="2" name="Title 1">
+            <a:extLst>
+              <a:ext uri="{FF2B5EF4-FFF2-40B4-BE49-F238E27FC236}">
+                <a16:creationId xmlns:a16="http://schemas.microsoft.com/office/drawing/2014/main" id="{EE2A869E-D84D-8B41-9F63-27C6F3CB2750}"/>
+              </a:ext>
+            </a:extLst>
+          </p:cNvPr>
+          <p:cNvSpPr>
+            <a:spLocks noGrp="1"/>
+          </p:cNvSpPr>
+          <p:nvPr>
+            <p:ph type="title"/>
+          </p:nvPr>
+        </p:nvSpPr>
+        <p:spPr/>
+        <p:txBody>
+          <a:bodyPr/>
+          <a:lstStyle/>
+          <a:p>
+            <a:r>
+              <a:rPr lang="en-CO" dirty="0"/>
+              <a:t>Luces en la niebla: Mentes corporales</a:t>
+            </a:r>
+          </a:p>
+        </p:txBody>
+      </p:sp>
+      <p:sp>
+        <p:nvSpPr>
+          <p:cNvPr id="3" name="Content Placeholder 2">
+            <a:extLst>
+              <a:ext uri="{FF2B5EF4-FFF2-40B4-BE49-F238E27FC236}">
+                <a16:creationId xmlns:a16="http://schemas.microsoft.com/office/drawing/2014/main" id="{FA2F85D1-FF08-AE4F-A81D-E9E111EE4E76}"/>
+              </a:ext>
+            </a:extLst>
+          </p:cNvPr>
+          <p:cNvSpPr>
+            <a:spLocks noGrp="1"/>
+          </p:cNvSpPr>
+          <p:nvPr>
+            <p:ph idx="1"/>
+          </p:nvPr>
+        </p:nvSpPr>
+        <p:spPr/>
+        <p:txBody>
+          <a:bodyPr/>
+          <a:lstStyle/>
+          <a:p>
+            <a:r>
+              <a:rPr lang="en-CO" dirty="0"/>
+              <a:t>Usualmente se distingue a la mente y el espíritu del cuerpo, de lo material. </a:t>
+            </a:r>
+          </a:p>
+          <a:p>
+            <a:r>
+              <a:rPr lang="en-US" dirty="0"/>
+              <a:t>Se </a:t>
+            </a:r>
+            <a:r>
+              <a:rPr lang="en-US" dirty="0" err="1"/>
+              <a:t>busca</a:t>
+            </a:r>
+            <a:r>
+              <a:rPr lang="en-US" dirty="0"/>
+              <a:t> </a:t>
+            </a:r>
+            <a:r>
+              <a:rPr lang="en-US" dirty="0" err="1"/>
+              <a:t>esclarecer</a:t>
+            </a:r>
+            <a:r>
+              <a:rPr lang="en-US" dirty="0"/>
+              <a:t> </a:t>
+            </a:r>
+            <a:r>
+              <a:rPr lang="en-US" dirty="0" err="1"/>
+              <a:t>nociones</a:t>
+            </a:r>
+            <a:r>
+              <a:rPr lang="en-US" dirty="0"/>
+              <a:t> </a:t>
+            </a:r>
+            <a:r>
+              <a:rPr lang="en-US" dirty="0" err="1"/>
+              <a:t>centrales</a:t>
+            </a:r>
+            <a:r>
+              <a:rPr lang="en-US" dirty="0"/>
+              <a:t> </a:t>
+            </a:r>
+            <a:r>
+              <a:rPr lang="en-US" dirty="0" err="1"/>
+              <a:t>en</a:t>
+            </a:r>
+            <a:r>
+              <a:rPr lang="en-US" dirty="0"/>
+              <a:t> la </a:t>
+            </a:r>
+            <a:r>
+              <a:rPr lang="en-US" dirty="0" err="1"/>
+              <a:t>comprensión</a:t>
+            </a:r>
+            <a:r>
+              <a:rPr lang="en-US" dirty="0"/>
+              <a:t> de la persona </a:t>
+            </a:r>
+            <a:r>
+              <a:rPr lang="en-US" dirty="0" err="1"/>
+              <a:t>humana</a:t>
+            </a:r>
+            <a:r>
+              <a:rPr lang="en-US" dirty="0"/>
+              <a:t> a la luz de un </a:t>
+            </a:r>
+            <a:r>
+              <a:rPr lang="en-US" dirty="0" err="1"/>
+              <a:t>diálogo</a:t>
+            </a:r>
+            <a:r>
+              <a:rPr lang="en-US" dirty="0"/>
+              <a:t> entre </a:t>
+            </a:r>
+            <a:r>
+              <a:rPr lang="en-US" dirty="0" err="1"/>
+              <a:t>ciencia</a:t>
+            </a:r>
+            <a:r>
+              <a:rPr lang="en-US" dirty="0"/>
+              <a:t> y </a:t>
+            </a:r>
+            <a:r>
+              <a:rPr lang="en-US" dirty="0" err="1"/>
+              <a:t>filosofía</a:t>
+            </a:r>
+            <a:r>
+              <a:rPr lang="en-US" dirty="0"/>
+              <a:t>.</a:t>
+            </a:r>
+            <a:endParaRPr lang="en-CO" dirty="0"/>
+          </a:p>
+        </p:txBody>
+      </p:sp>
+    </p:spTree>
+    <p:extLst>
+      <p:ext uri="{BB962C8B-B14F-4D97-AF65-F5344CB8AC3E}">
+        <p14:creationId xmlns:p14="http://schemas.microsoft.com/office/powerpoint/2010/main" val="1175188442"/>
       </p:ext>
     </p:extLst>
   </p:cSld>
@@ -12554,10 +12867,10 @@
       </p:grpSpPr>
       <p:sp>
         <p:nvSpPr>
-          <p:cNvPr id="2" name="Title 1">
+          <p:cNvPr id="2" name="Título 1">
             <a:extLst>
               <a:ext uri="{FF2B5EF4-FFF2-40B4-BE49-F238E27FC236}">
-                <a16:creationId xmlns:a16="http://schemas.microsoft.com/office/drawing/2014/main" id="{774AA3B6-5EA6-BC4D-BF2F-7AAFC1E09771}"/>
+                <a16:creationId xmlns:a16="http://schemas.microsoft.com/office/drawing/2014/main" id="{DF29BB4B-9231-4F6E-887A-6D7057451204}"/>
               </a:ext>
             </a:extLst>
           </p:cNvPr>
@@ -12575,62 +12888,23 @@
           </a:bodyPr>
           <a:lstStyle/>
           <a:p>
-            <a:r>
-              <a:rPr lang="en-CO" dirty="0"/>
-              <a:t>Luces en la niebla: </a:t>
-            </a:r>
-            <a:r>
-              <a:rPr lang="en-US" dirty="0" err="1"/>
-              <a:t>arriba</a:t>
-            </a:r>
-            <a:r>
-              <a:rPr lang="en-US" dirty="0"/>
-              <a:t>, </a:t>
-            </a:r>
-            <a:r>
-              <a:rPr lang="en-US" dirty="0" err="1"/>
-              <a:t>abajo</a:t>
-            </a:r>
-            <a:r>
-              <a:rPr lang="en-US" dirty="0"/>
-              <a:t> y </a:t>
-            </a:r>
-            <a:r>
-              <a:rPr lang="en-US" dirty="0" err="1"/>
-              <a:t>centro</a:t>
-            </a:r>
-            <a:r>
-              <a:rPr lang="en-US" dirty="0"/>
-              <a:t> </a:t>
-            </a:r>
-            <a:r>
-              <a:rPr lang="en-US" dirty="0" err="1"/>
-              <a:t>como</a:t>
-            </a:r>
-            <a:r>
-              <a:rPr lang="en-US" dirty="0"/>
-              <a:t> capital </a:t>
-            </a:r>
-            <a:r>
-              <a:rPr lang="en-US" dirty="0" err="1"/>
-              <a:t>simbólico</a:t>
-            </a:r>
-            <a:br>
-              <a:rPr lang="en-US" dirty="0"/>
-            </a:br>
-            <a:r>
-              <a:rPr lang="en-CO" dirty="0"/>
-              <a:t> </a:t>
+            <a:pPr algn="l"/>
+            <a:r>
+              <a:rPr lang="es-MX" b="0" i="0" dirty="0">
+                <a:effectLst/>
+                <a:latin typeface="Segoe UI" panose="020B0502040204020203" pitchFamily="34" charset="0"/>
+              </a:rPr>
+              <a:t>Del papiro al bit: historia de la transmisión del conocimiento en Occidente</a:t>
             </a:r>
           </a:p>
         </p:txBody>
       </p:sp>
       <p:sp>
         <p:nvSpPr>
-          <p:cNvPr id="3" name="Content Placeholder 2">
+          <p:cNvPr id="3" name="Marcador de contenido 2">
             <a:extLst>
               <a:ext uri="{FF2B5EF4-FFF2-40B4-BE49-F238E27FC236}">
-                <a16:creationId xmlns:a16="http://schemas.microsoft.com/office/drawing/2014/main" id="{692B2CBB-BEDD-BD4F-A510-AE631C5D2FA4}"/>
+                <a16:creationId xmlns:a16="http://schemas.microsoft.com/office/drawing/2014/main" id="{F1E340CA-0A1D-4DC4-B605-23D68568DFBA}"/>
               </a:ext>
             </a:extLst>
           </p:cNvPr>
@@ -12646,27 +12920,13 @@
           <a:bodyPr/>
           <a:lstStyle/>
           <a:p>
-            <a:pPr marL="0" indent="0">
-              <a:buNone/>
-            </a:pPr>
-            <a:r>
-              <a:rPr lang="en-CO" dirty="0"/>
-              <a:t>Alegorías, símbolos y metáforas que hablan de arriba, abajo y centro y su significado.</a:t>
-            </a:r>
-          </a:p>
-          <a:p>
-            <a:pPr marL="0" indent="0">
-              <a:buNone/>
-            </a:pPr>
-            <a:endParaRPr lang="en-CO" dirty="0"/>
-          </a:p>
-          <a:p>
-            <a:pPr marL="0" indent="0">
-              <a:buNone/>
-            </a:pPr>
-            <a:r>
-              <a:rPr lang="en-CO" dirty="0"/>
-              <a:t>Se busca explicar su rol y significado actual</a:t>
+            <a:pPr algn="l"/>
+            <a:r>
+              <a:rPr lang="es-MX" b="0" i="0" dirty="0">
+                <a:effectLst/>
+                <a:latin typeface="Segoe UI" panose="020B0502040204020203" pitchFamily="34" charset="0"/>
+              </a:rPr>
+              <a:t>Del papiro al bit: historia de la transmisión del conocimiento en Occidente</a:t>
             </a:r>
           </a:p>
         </p:txBody>
@@ -12674,7 +12934,7 @@
     </p:spTree>
     <p:extLst>
       <p:ext uri="{BB962C8B-B14F-4D97-AF65-F5344CB8AC3E}">
-        <p14:creationId xmlns:p14="http://schemas.microsoft.com/office/powerpoint/2010/main" val="565258322"/>
+        <p14:creationId xmlns:p14="http://schemas.microsoft.com/office/powerpoint/2010/main" val="3829863540"/>
       </p:ext>
     </p:extLst>
   </p:cSld>
@@ -12706,7 +12966,7 @@
           <p:cNvPr id="2" name="Title 1">
             <a:extLst>
               <a:ext uri="{FF2B5EF4-FFF2-40B4-BE49-F238E27FC236}">
-                <a16:creationId xmlns:a16="http://schemas.microsoft.com/office/drawing/2014/main" id="{EE2A869E-D84D-8B41-9F63-27C6F3CB2750}"/>
+                <a16:creationId xmlns:a16="http://schemas.microsoft.com/office/drawing/2014/main" id="{774AA3B6-5EA6-BC4D-BF2F-7AAFC1E09771}"/>
               </a:ext>
             </a:extLst>
           </p:cNvPr>
@@ -12719,12 +12979,57 @@
         </p:nvSpPr>
         <p:spPr/>
         <p:txBody>
-          <a:bodyPr/>
+          <a:bodyPr>
+            <a:normAutofit fontScale="90000"/>
+          </a:bodyPr>
           <a:lstStyle/>
           <a:p>
             <a:r>
               <a:rPr lang="en-CO" dirty="0"/>
-              <a:t>Luces en la niebla: Mentes corporales</a:t>
+              <a:t>Luces en la niebla: </a:t>
+            </a:r>
+            <a:r>
+              <a:rPr lang="en-US" dirty="0" err="1"/>
+              <a:t>arriba</a:t>
+            </a:r>
+            <a:r>
+              <a:rPr lang="en-US" dirty="0"/>
+              <a:t>, </a:t>
+            </a:r>
+            <a:r>
+              <a:rPr lang="en-US" dirty="0" err="1"/>
+              <a:t>abajo</a:t>
+            </a:r>
+            <a:r>
+              <a:rPr lang="en-US" dirty="0"/>
+              <a:t> y </a:t>
+            </a:r>
+            <a:r>
+              <a:rPr lang="en-US" dirty="0" err="1"/>
+              <a:t>centro</a:t>
+            </a:r>
+            <a:r>
+              <a:rPr lang="en-US" dirty="0"/>
+              <a:t> </a:t>
+            </a:r>
+            <a:r>
+              <a:rPr lang="en-US" dirty="0" err="1"/>
+              <a:t>como</a:t>
+            </a:r>
+            <a:r>
+              <a:rPr lang="en-US" dirty="0"/>
+              <a:t> capital </a:t>
+            </a:r>
+            <a:r>
+              <a:rPr lang="en-US" dirty="0" err="1"/>
+              <a:t>simbólico</a:t>
+            </a:r>
+            <a:br>
+              <a:rPr lang="en-US" dirty="0"/>
+            </a:br>
+            <a:r>
+              <a:rPr lang="en-CO" dirty="0"/>
+              <a:t> </a:t>
             </a:r>
           </a:p>
         </p:txBody>
@@ -12734,7 +13039,7 @@
           <p:cNvPr id="3" name="Content Placeholder 2">
             <a:extLst>
               <a:ext uri="{FF2B5EF4-FFF2-40B4-BE49-F238E27FC236}">
-                <a16:creationId xmlns:a16="http://schemas.microsoft.com/office/drawing/2014/main" id="{FA2F85D1-FF08-AE4F-A81D-E9E111EE4E76}"/>
+                <a16:creationId xmlns:a16="http://schemas.microsoft.com/office/drawing/2014/main" id="{692B2CBB-BEDD-BD4F-A510-AE631C5D2FA4}"/>
               </a:ext>
             </a:extLst>
           </p:cNvPr>
@@ -12750,104 +13055,35 @@
           <a:bodyPr/>
           <a:lstStyle/>
           <a:p>
+            <a:pPr marL="0" indent="0">
+              <a:buNone/>
+            </a:pPr>
             <a:r>
               <a:rPr lang="en-CO" dirty="0"/>
-              <a:t>Usualmente se distingue a la mente y el espíritu del cuerpo, de lo material. </a:t>
-            </a:r>
-          </a:p>
-          <a:p>
-            <a:r>
-              <a:rPr lang="en-US" dirty="0"/>
-              <a:t>Se </a:t>
-            </a:r>
-            <a:r>
-              <a:rPr lang="en-US" dirty="0" err="1"/>
-              <a:t>busca</a:t>
-            </a:r>
-            <a:r>
-              <a:rPr lang="en-US" dirty="0"/>
-              <a:t> </a:t>
-            </a:r>
-            <a:r>
-              <a:rPr lang="en-US" dirty="0" err="1"/>
-              <a:t>esclarecer</a:t>
-            </a:r>
-            <a:r>
-              <a:rPr lang="en-US" dirty="0"/>
-              <a:t> </a:t>
-            </a:r>
-            <a:r>
-              <a:rPr lang="en-US" dirty="0" err="1"/>
-              <a:t>nociones</a:t>
-            </a:r>
-            <a:r>
-              <a:rPr lang="en-US" dirty="0"/>
-              <a:t> </a:t>
-            </a:r>
-            <a:r>
-              <a:rPr lang="en-US" dirty="0" err="1"/>
-              <a:t>centrales</a:t>
-            </a:r>
-            <a:r>
-              <a:rPr lang="en-US" dirty="0"/>
-              <a:t> </a:t>
-            </a:r>
-            <a:r>
-              <a:rPr lang="en-US" dirty="0" err="1"/>
-              <a:t>en</a:t>
-            </a:r>
-            <a:r>
-              <a:rPr lang="en-US" dirty="0"/>
-              <a:t> la </a:t>
-            </a:r>
-            <a:r>
-              <a:rPr lang="en-US" dirty="0" err="1"/>
-              <a:t>comprensión</a:t>
-            </a:r>
-            <a:r>
-              <a:rPr lang="en-US" dirty="0"/>
-              <a:t> de la persona </a:t>
-            </a:r>
-            <a:r>
-              <a:rPr lang="en-US" dirty="0" err="1"/>
-              <a:t>humana</a:t>
-            </a:r>
-            <a:r>
-              <a:rPr lang="en-US" dirty="0"/>
-              <a:t> a la luz de un </a:t>
-            </a:r>
-            <a:r>
-              <a:rPr lang="en-US" dirty="0" err="1"/>
-              <a:t>diálogo</a:t>
-            </a:r>
-            <a:r>
-              <a:rPr lang="en-US" dirty="0"/>
-              <a:t> entre </a:t>
-            </a:r>
-            <a:r>
-              <a:rPr lang="en-US" dirty="0" err="1"/>
-              <a:t>ciencia</a:t>
-            </a:r>
-            <a:r>
-              <a:rPr lang="en-US" dirty="0"/>
-              <a:t> y </a:t>
-            </a:r>
-            <a:r>
-              <a:rPr lang="en-US" dirty="0" err="1"/>
-              <a:t>filosofía</a:t>
-            </a:r>
-            <a:r>
-              <a:rPr lang="en-US" dirty="0"/>
-              <a:t>.</a:t>
-            </a:r>
+              <a:t>Alegorías, símbolos y metáforas que hablan de arriba, abajo y centro y su significado.</a:t>
+            </a:r>
+          </a:p>
+          <a:p>
+            <a:pPr marL="0" indent="0">
+              <a:buNone/>
+            </a:pPr>
             <a:endParaRPr lang="en-CO" dirty="0"/>
+          </a:p>
+          <a:p>
+            <a:pPr marL="0" indent="0">
+              <a:buNone/>
+            </a:pPr>
+            <a:r>
+              <a:rPr lang="en-CO" dirty="0"/>
+              <a:t>Se busca explicar su rol y significado actual</a:t>
+            </a:r>
           </a:p>
         </p:txBody>
       </p:sp>
     </p:spTree>
     <p:extLst>
       <p:ext uri="{BB962C8B-B14F-4D97-AF65-F5344CB8AC3E}">
-        <p14:creationId xmlns:p14="http://schemas.microsoft.com/office/powerpoint/2010/main" val="1175188442"/>
+        <p14:creationId xmlns:p14="http://schemas.microsoft.com/office/powerpoint/2010/main" val="565258322"/>
       </p:ext>
     </p:extLst>
   </p:cSld>

--- a/luces en la niebla.pptx
+++ b/luces en la niebla.pptx
@@ -18,8 +18,8 @@
     <p:sldId id="267" r:id="rId9"/>
     <p:sldId id="264" r:id="rId10"/>
     <p:sldId id="268" r:id="rId11"/>
-    <p:sldId id="266" r:id="rId12"/>
-    <p:sldId id="265" r:id="rId13"/>
+    <p:sldId id="265" r:id="rId12"/>
+    <p:sldId id="266" r:id="rId13"/>
   </p:sldIdLst>
   <p:sldSz cx="12192000" cy="6858000"/>
   <p:notesSz cx="6858000" cy="9144000"/>
@@ -1071,82 +1071,82 @@
       </dgm:t>
     </dgm:pt>
     <dgm:pt modelId="{B2547185-2F39-485D-9F2A-A99EBEF6CC6E}">
-      <dgm:prSet/>
+      <dgm:prSet custT="1"/>
       <dgm:spPr/>
       <dgm:t>
         <a:bodyPr/>
         <a:lstStyle/>
         <a:p>
           <a:r>
-            <a:rPr lang="en-US" dirty="0" err="1"/>
+            <a:rPr lang="en-US" sz="2500" dirty="0" err="1"/>
             <a:t>En</a:t>
           </a:r>
           <a:r>
-            <a:rPr lang="en-US" dirty="0"/>
+            <a:rPr lang="en-US" sz="2500" dirty="0"/>
             <a:t> la </a:t>
           </a:r>
           <a:r>
-            <a:rPr lang="en-US" dirty="0" err="1"/>
+            <a:rPr lang="en-US" sz="2500" dirty="0" err="1"/>
             <a:t>cuarta</a:t>
           </a:r>
           <a:r>
-            <a:rPr lang="en-US" dirty="0"/>
+            <a:rPr lang="en-US" sz="2500" dirty="0"/>
             <a:t> </a:t>
           </a:r>
           <a:r>
-            <a:rPr lang="en-US" dirty="0" err="1"/>
+            <a:rPr lang="en-US" sz="2500" dirty="0" err="1"/>
             <a:t>revolución</a:t>
           </a:r>
           <a:r>
-            <a:rPr lang="en-US" dirty="0"/>
+            <a:rPr lang="en-US" sz="2500" dirty="0"/>
             <a:t> industrial, los macrodatos y la </a:t>
           </a:r>
           <a:r>
-            <a:rPr lang="en-US" dirty="0" err="1"/>
+            <a:rPr lang="en-US" sz="2500" dirty="0" err="1"/>
             <a:t>analítica</a:t>
           </a:r>
           <a:r>
-            <a:rPr lang="en-US" dirty="0"/>
+            <a:rPr lang="en-US" sz="2500" dirty="0"/>
             <a:t> para la </a:t>
           </a:r>
           <a:r>
-            <a:rPr lang="en-US" dirty="0" err="1"/>
+            <a:rPr lang="en-US" sz="2500" dirty="0" err="1"/>
             <a:t>toma</a:t>
           </a:r>
           <a:r>
-            <a:rPr lang="en-US" dirty="0"/>
+            <a:rPr lang="en-US" sz="2500" dirty="0"/>
             <a:t> de </a:t>
           </a:r>
           <a:r>
-            <a:rPr lang="en-US" dirty="0" err="1"/>
+            <a:rPr lang="en-US" sz="2500" dirty="0" err="1"/>
             <a:t>decisiones</a:t>
           </a:r>
           <a:r>
-            <a:rPr lang="en-US" dirty="0"/>
+            <a:rPr lang="en-US" sz="2500" dirty="0"/>
             <a:t> </a:t>
           </a:r>
           <a:r>
-            <a:rPr lang="en-US" dirty="0" err="1"/>
+            <a:rPr lang="en-US" sz="2500" dirty="0" err="1"/>
             <a:t>tienen</a:t>
           </a:r>
           <a:r>
-            <a:rPr lang="en-US" dirty="0"/>
+            <a:rPr lang="en-US" sz="2500" dirty="0"/>
             <a:t> un </a:t>
           </a:r>
           <a:r>
-            <a:rPr lang="en-US" dirty="0" err="1"/>
+            <a:rPr lang="en-US" sz="2500" dirty="0" err="1"/>
             <a:t>rol</a:t>
           </a:r>
           <a:r>
-            <a:rPr lang="en-US" dirty="0"/>
+            <a:rPr lang="en-US" sz="2500" dirty="0"/>
             <a:t> central. Pero no son lo </a:t>
           </a:r>
           <a:r>
-            <a:rPr lang="en-US" dirty="0" err="1"/>
+            <a:rPr lang="en-US" sz="2500" dirty="0" err="1"/>
             <a:t>más</a:t>
           </a:r>
           <a:r>
-            <a:rPr lang="en-US" dirty="0"/>
+            <a:rPr lang="en-US" sz="2500" dirty="0"/>
             <a:t> fundamental.</a:t>
           </a:r>
         </a:p>
@@ -1175,154 +1175,154 @@
       </dgm:t>
     </dgm:pt>
     <dgm:pt modelId="{DA67B783-775F-4B24-A488-604BF85C6237}">
-      <dgm:prSet/>
+      <dgm:prSet custT="1"/>
       <dgm:spPr/>
       <dgm:t>
         <a:bodyPr/>
         <a:lstStyle/>
         <a:p>
           <a:r>
-            <a:rPr lang="en-US" dirty="0"/>
+            <a:rPr lang="en-US" sz="2500" dirty="0"/>
             <a:t>Este un </a:t>
           </a:r>
           <a:r>
-            <a:rPr lang="en-US" dirty="0" err="1"/>
+            <a:rPr lang="en-US" sz="2500" dirty="0" err="1"/>
             <a:t>proyecto</a:t>
           </a:r>
           <a:r>
-            <a:rPr lang="en-US" dirty="0"/>
+            <a:rPr lang="en-US" sz="2500" dirty="0"/>
             <a:t> de </a:t>
           </a:r>
           <a:r>
-            <a:rPr lang="en-US" dirty="0" err="1"/>
+            <a:rPr lang="en-US" sz="2500" dirty="0" err="1"/>
             <a:t>aprendizaje</a:t>
           </a:r>
           <a:r>
-            <a:rPr lang="en-US" dirty="0"/>
+            <a:rPr lang="en-US" sz="2500" dirty="0"/>
             <a:t> a lo largo de la </a:t>
           </a:r>
           <a:r>
-            <a:rPr lang="en-US" dirty="0" err="1"/>
+            <a:rPr lang="en-US" sz="2500" dirty="0" err="1"/>
             <a:t>vida</a:t>
           </a:r>
           <a:r>
-            <a:rPr lang="en-US" i="1" dirty="0"/>
+            <a:rPr lang="en-US" sz="2500" i="1" dirty="0"/>
             <a:t> (lifelong learning) </a:t>
           </a:r>
           <a:r>
-            <a:rPr lang="en-US" dirty="0"/>
+            <a:rPr lang="en-US" sz="2500" dirty="0"/>
             <a:t> que </a:t>
           </a:r>
           <a:r>
-            <a:rPr lang="en-US" dirty="0" err="1"/>
+            <a:rPr lang="en-US" sz="2500" dirty="0" err="1"/>
             <a:t>busca</a:t>
           </a:r>
           <a:r>
-            <a:rPr lang="en-US" dirty="0"/>
+            <a:rPr lang="en-US" sz="2500" dirty="0"/>
             <a:t> </a:t>
           </a:r>
           <a:r>
-            <a:rPr lang="en-US" dirty="0" err="1"/>
+            <a:rPr lang="en-US" sz="2500" dirty="0" err="1"/>
             <a:t>recalcar</a:t>
           </a:r>
           <a:r>
-            <a:rPr lang="en-US" dirty="0"/>
+            <a:rPr lang="en-US" sz="2500" dirty="0"/>
             <a:t> que la </a:t>
           </a:r>
           <a:r>
-            <a:rPr lang="en-US" dirty="0" err="1"/>
+            <a:rPr lang="en-US" sz="2500" dirty="0" err="1"/>
             <a:t>nuevas</a:t>
           </a:r>
           <a:r>
-            <a:rPr lang="en-US" dirty="0"/>
+            <a:rPr lang="en-US" sz="2500" dirty="0"/>
             <a:t> </a:t>
           </a:r>
           <a:r>
-            <a:rPr lang="en-US" dirty="0" err="1"/>
+            <a:rPr lang="en-US" sz="2500" dirty="0" err="1"/>
             <a:t>tecnologías</a:t>
           </a:r>
           <a:r>
-            <a:rPr lang="en-US" dirty="0"/>
+            <a:rPr lang="en-US" sz="2500" dirty="0"/>
             <a:t> </a:t>
           </a:r>
           <a:r>
-            <a:rPr lang="en-US" dirty="0" err="1"/>
+            <a:rPr lang="en-US" sz="2500" dirty="0" err="1"/>
             <a:t>enfocadas</a:t>
           </a:r>
           <a:r>
-            <a:rPr lang="en-US" dirty="0"/>
+            <a:rPr lang="en-US" sz="2500" dirty="0"/>
             <a:t> </a:t>
           </a:r>
           <a:r>
-            <a:rPr lang="en-US" dirty="0" err="1"/>
+            <a:rPr lang="en-US" sz="2500" dirty="0" err="1"/>
             <a:t>en</a:t>
           </a:r>
           <a:r>
-            <a:rPr lang="en-US" dirty="0"/>
+            <a:rPr lang="en-US" sz="2500" dirty="0"/>
             <a:t> la IA y el </a:t>
           </a:r>
           <a:r>
-            <a:rPr lang="en-US" dirty="0" err="1"/>
+            <a:rPr lang="en-US" sz="2500" dirty="0" err="1"/>
             <a:t>tratamiento</a:t>
           </a:r>
           <a:r>
-            <a:rPr lang="en-US" dirty="0"/>
+            <a:rPr lang="en-US" sz="2500" dirty="0"/>
             <a:t> de </a:t>
           </a:r>
           <a:r>
-            <a:rPr lang="en-US" dirty="0" err="1"/>
+            <a:rPr lang="en-US" sz="2500" dirty="0" err="1"/>
             <a:t>datos</a:t>
           </a:r>
           <a:r>
-            <a:rPr lang="en-US" dirty="0"/>
+            <a:rPr lang="en-US" sz="2500" dirty="0"/>
             <a:t> </a:t>
           </a:r>
           <a:r>
-            <a:rPr lang="en-US" dirty="0" err="1"/>
+            <a:rPr lang="en-US" sz="2500" dirty="0" err="1"/>
             <a:t>deben</a:t>
           </a:r>
           <a:r>
-            <a:rPr lang="en-US" dirty="0"/>
+            <a:rPr lang="en-US" sz="2500" dirty="0"/>
             <a:t> </a:t>
           </a:r>
           <a:r>
-            <a:rPr lang="en-US" dirty="0" err="1"/>
+            <a:rPr lang="en-US" sz="2500" dirty="0" err="1"/>
             <a:t>ir</a:t>
           </a:r>
           <a:r>
-            <a:rPr lang="en-US" dirty="0"/>
+            <a:rPr lang="en-US" sz="2500" dirty="0"/>
             <a:t> </a:t>
           </a:r>
           <a:r>
-            <a:rPr lang="en-US" dirty="0" err="1"/>
+            <a:rPr lang="en-US" sz="2500" dirty="0" err="1"/>
             <a:t>acompañadas</a:t>
           </a:r>
           <a:r>
-            <a:rPr lang="en-US" dirty="0"/>
+            <a:rPr lang="en-US" sz="2500" dirty="0"/>
             <a:t> de un </a:t>
           </a:r>
           <a:r>
-            <a:rPr lang="en-US" dirty="0" err="1"/>
+            <a:rPr lang="en-US" sz="2500" dirty="0" err="1"/>
             <a:t>estudio</a:t>
           </a:r>
           <a:r>
-            <a:rPr lang="en-US" dirty="0"/>
+            <a:rPr lang="en-US" sz="2500" dirty="0"/>
             <a:t> profundo y </a:t>
           </a:r>
           <a:r>
-            <a:rPr lang="en-US" dirty="0" err="1"/>
+            <a:rPr lang="en-US" sz="2500" dirty="0" err="1"/>
             <a:t>cuidadoso</a:t>
           </a:r>
           <a:r>
-            <a:rPr lang="en-US" dirty="0"/>
+            <a:rPr lang="en-US" sz="2500" dirty="0"/>
             <a:t> de las </a:t>
           </a:r>
           <a:r>
-            <a:rPr lang="en-US" dirty="0" err="1"/>
+            <a:rPr lang="en-US" sz="2500" dirty="0" err="1"/>
             <a:t>humanidades</a:t>
           </a:r>
           <a:r>
-            <a:rPr lang="en-US" dirty="0"/>
+            <a:rPr lang="en-US" sz="2500" dirty="0"/>
             <a:t>. </a:t>
           </a:r>
         </a:p>
@@ -1351,98 +1351,98 @@
       </dgm:t>
     </dgm:pt>
     <dgm:pt modelId="{2F72A9AC-3A6D-49EB-A5BF-51DCBD1A3114}">
-      <dgm:prSet/>
+      <dgm:prSet custT="1"/>
       <dgm:spPr/>
       <dgm:t>
         <a:bodyPr/>
         <a:lstStyle/>
         <a:p>
           <a:r>
-            <a:rPr lang="en-US" dirty="0" err="1"/>
+            <a:rPr lang="en-US" sz="2500" dirty="0" err="1"/>
             <a:t>Especialmente</a:t>
           </a:r>
           <a:r>
-            <a:rPr lang="en-US" dirty="0"/>
+            <a:rPr lang="en-US" sz="2500" dirty="0"/>
             <a:t> </a:t>
           </a:r>
           <a:r>
-            <a:rPr lang="en-US" dirty="0" err="1"/>
+            <a:rPr lang="en-US" sz="2500" dirty="0" err="1"/>
             <a:t>en</a:t>
           </a:r>
           <a:r>
-            <a:rPr lang="en-US" dirty="0"/>
+            <a:rPr lang="en-US" sz="2500" dirty="0"/>
             <a:t> </a:t>
           </a:r>
           <a:r>
-            <a:rPr lang="en-US" dirty="0" err="1"/>
+            <a:rPr lang="en-US" sz="2500" dirty="0" err="1"/>
             <a:t>esta</a:t>
           </a:r>
           <a:r>
-            <a:rPr lang="en-US" dirty="0"/>
+            <a:rPr lang="en-US" sz="2500" dirty="0"/>
             <a:t> </a:t>
           </a:r>
           <a:r>
-            <a:rPr lang="en-US" dirty="0" err="1"/>
+            <a:rPr lang="en-US" sz="2500" dirty="0" err="1"/>
             <a:t>época</a:t>
           </a:r>
           <a:r>
-            <a:rPr lang="en-US" dirty="0"/>
+            <a:rPr lang="en-US" sz="2500" dirty="0"/>
             <a:t> </a:t>
           </a:r>
           <a:r>
-            <a:rPr lang="en-US" dirty="0" err="1"/>
+            <a:rPr lang="en-US" sz="2500" dirty="0" err="1"/>
             <a:t>concentrada</a:t>
           </a:r>
           <a:r>
-            <a:rPr lang="en-US" dirty="0"/>
+            <a:rPr lang="en-US" sz="2500" dirty="0"/>
             <a:t> </a:t>
           </a:r>
           <a:r>
-            <a:rPr lang="en-US" dirty="0" err="1"/>
+            <a:rPr lang="en-US" sz="2500" dirty="0" err="1"/>
             <a:t>en</a:t>
           </a:r>
           <a:r>
-            <a:rPr lang="en-US" dirty="0"/>
+            <a:rPr lang="en-US" sz="2500" dirty="0"/>
             <a:t> </a:t>
           </a:r>
           <a:r>
-            <a:rPr lang="en-US" dirty="0" err="1"/>
+            <a:rPr lang="en-US" sz="2500" dirty="0" err="1"/>
             <a:t>inteligencia</a:t>
           </a:r>
           <a:r>
-            <a:rPr lang="en-US" dirty="0"/>
+            <a:rPr lang="en-US" sz="2500" dirty="0"/>
             <a:t> artificial y </a:t>
           </a:r>
           <a:r>
-            <a:rPr lang="en-US" dirty="0" err="1"/>
+            <a:rPr lang="en-US" sz="2500" dirty="0" err="1"/>
             <a:t>tecnología</a:t>
           </a:r>
           <a:r>
-            <a:rPr lang="en-US" dirty="0"/>
+            <a:rPr lang="en-US" sz="2500" dirty="0"/>
             <a:t>, </a:t>
           </a:r>
           <a:r>
-            <a:rPr lang="en-US" dirty="0" err="1"/>
+            <a:rPr lang="en-US" sz="2500" dirty="0" err="1"/>
             <a:t>debemos</a:t>
           </a:r>
           <a:r>
-            <a:rPr lang="en-US" dirty="0"/>
+            <a:rPr lang="en-US" sz="2500" dirty="0"/>
             <a:t> </a:t>
           </a:r>
           <a:r>
-            <a:rPr lang="en-US" dirty="0" err="1"/>
+            <a:rPr lang="en-US" sz="2500" dirty="0" err="1"/>
             <a:t>recordar</a:t>
           </a:r>
           <a:r>
-            <a:rPr lang="en-US" dirty="0"/>
+            <a:rPr lang="en-US" sz="2500" dirty="0"/>
             <a:t> que lo que </a:t>
           </a:r>
           <a:r>
-            <a:rPr lang="en-US" dirty="0" err="1"/>
+            <a:rPr lang="en-US" sz="2500" dirty="0" err="1"/>
             <a:t>importa</a:t>
           </a:r>
           <a:r>
-            <a:rPr lang="en-US" dirty="0"/>
+            <a:rPr lang="en-US" sz="2500" dirty="0"/>
             <a:t> son las personas. </a:t>
           </a:r>
         </a:p>
@@ -1575,8 +1575,8 @@
       </dsp:nvSpPr>
       <dsp:spPr>
         <a:xfrm>
-          <a:off x="0" y="1952"/>
-          <a:ext cx="7959560" cy="0"/>
+          <a:off x="0" y="2594"/>
+          <a:ext cx="9544782" cy="0"/>
         </a:xfrm>
         <a:prstGeom prst="line">
           <a:avLst/>
@@ -1624,8 +1624,8 @@
       </dsp:nvSpPr>
       <dsp:spPr>
         <a:xfrm>
-          <a:off x="0" y="1952"/>
-          <a:ext cx="7959560" cy="1331307"/>
+          <a:off x="0" y="2594"/>
+          <a:ext cx="9544782" cy="1769560"/>
         </a:xfrm>
         <a:prstGeom prst="rect">
           <a:avLst/>
@@ -1649,12 +1649,12 @@
         <a:fontRef idx="minor"/>
       </dsp:style>
       <dsp:txBody>
-        <a:bodyPr spcFirstLastPara="0" vert="horz" wrap="square" lIns="76200" tIns="76200" rIns="76200" bIns="76200" numCol="1" spcCol="1270" anchor="t" anchorCtr="0">
+        <a:bodyPr spcFirstLastPara="0" vert="horz" wrap="square" lIns="95250" tIns="95250" rIns="95250" bIns="95250" numCol="1" spcCol="1270" anchor="t" anchorCtr="0">
           <a:noAutofit/>
         </a:bodyPr>
         <a:lstStyle/>
         <a:p>
-          <a:pPr marL="0" lvl="0" indent="0" algn="l" defTabSz="889000">
+          <a:pPr marL="0" lvl="0" indent="0" algn="l" defTabSz="1111250">
             <a:lnSpc>
               <a:spcPct val="90000"/>
             </a:lnSpc>
@@ -1667,82 +1667,82 @@
             <a:buNone/>
           </a:pPr>
           <a:r>
-            <a:rPr lang="en-US" sz="2000" kern="1200" dirty="0" err="1"/>
+            <a:rPr lang="en-US" sz="2500" kern="1200" dirty="0" err="1"/>
             <a:t>En</a:t>
           </a:r>
           <a:r>
-            <a:rPr lang="en-US" sz="2000" kern="1200" dirty="0"/>
+            <a:rPr lang="en-US" sz="2500" kern="1200" dirty="0"/>
             <a:t> la </a:t>
           </a:r>
           <a:r>
-            <a:rPr lang="en-US" sz="2000" kern="1200" dirty="0" err="1"/>
+            <a:rPr lang="en-US" sz="2500" kern="1200" dirty="0" err="1"/>
             <a:t>cuarta</a:t>
           </a:r>
           <a:r>
-            <a:rPr lang="en-US" sz="2000" kern="1200" dirty="0"/>
+            <a:rPr lang="en-US" sz="2500" kern="1200" dirty="0"/>
             <a:t> </a:t>
           </a:r>
           <a:r>
-            <a:rPr lang="en-US" sz="2000" kern="1200" dirty="0" err="1"/>
+            <a:rPr lang="en-US" sz="2500" kern="1200" dirty="0" err="1"/>
             <a:t>revolución</a:t>
           </a:r>
           <a:r>
-            <a:rPr lang="en-US" sz="2000" kern="1200" dirty="0"/>
+            <a:rPr lang="en-US" sz="2500" kern="1200" dirty="0"/>
             <a:t> industrial, los macrodatos y la </a:t>
           </a:r>
           <a:r>
-            <a:rPr lang="en-US" sz="2000" kern="1200" dirty="0" err="1"/>
+            <a:rPr lang="en-US" sz="2500" kern="1200" dirty="0" err="1"/>
             <a:t>analítica</a:t>
           </a:r>
           <a:r>
-            <a:rPr lang="en-US" sz="2000" kern="1200" dirty="0"/>
+            <a:rPr lang="en-US" sz="2500" kern="1200" dirty="0"/>
             <a:t> para la </a:t>
           </a:r>
           <a:r>
-            <a:rPr lang="en-US" sz="2000" kern="1200" dirty="0" err="1"/>
+            <a:rPr lang="en-US" sz="2500" kern="1200" dirty="0" err="1"/>
             <a:t>toma</a:t>
           </a:r>
           <a:r>
-            <a:rPr lang="en-US" sz="2000" kern="1200" dirty="0"/>
+            <a:rPr lang="en-US" sz="2500" kern="1200" dirty="0"/>
             <a:t> de </a:t>
           </a:r>
           <a:r>
-            <a:rPr lang="en-US" sz="2000" kern="1200" dirty="0" err="1"/>
+            <a:rPr lang="en-US" sz="2500" kern="1200" dirty="0" err="1"/>
             <a:t>decisiones</a:t>
           </a:r>
           <a:r>
-            <a:rPr lang="en-US" sz="2000" kern="1200" dirty="0"/>
+            <a:rPr lang="en-US" sz="2500" kern="1200" dirty="0"/>
             <a:t> </a:t>
           </a:r>
           <a:r>
-            <a:rPr lang="en-US" sz="2000" kern="1200" dirty="0" err="1"/>
+            <a:rPr lang="en-US" sz="2500" kern="1200" dirty="0" err="1"/>
             <a:t>tienen</a:t>
           </a:r>
           <a:r>
-            <a:rPr lang="en-US" sz="2000" kern="1200" dirty="0"/>
+            <a:rPr lang="en-US" sz="2500" kern="1200" dirty="0"/>
             <a:t> un </a:t>
           </a:r>
           <a:r>
-            <a:rPr lang="en-US" sz="2000" kern="1200" dirty="0" err="1"/>
+            <a:rPr lang="en-US" sz="2500" kern="1200" dirty="0" err="1"/>
             <a:t>rol</a:t>
           </a:r>
           <a:r>
-            <a:rPr lang="en-US" sz="2000" kern="1200" dirty="0"/>
+            <a:rPr lang="en-US" sz="2500" kern="1200" dirty="0"/>
             <a:t> central. Pero no son lo </a:t>
           </a:r>
           <a:r>
-            <a:rPr lang="en-US" sz="2000" kern="1200" dirty="0" err="1"/>
+            <a:rPr lang="en-US" sz="2500" kern="1200" dirty="0" err="1"/>
             <a:t>más</a:t>
           </a:r>
           <a:r>
-            <a:rPr lang="en-US" sz="2000" kern="1200" dirty="0"/>
+            <a:rPr lang="en-US" sz="2500" kern="1200" dirty="0"/>
             <a:t> fundamental.</a:t>
           </a:r>
         </a:p>
       </dsp:txBody>
       <dsp:txXfrm>
-        <a:off x="0" y="1952"/>
-        <a:ext cx="7959560" cy="1331307"/>
+        <a:off x="0" y="2594"/>
+        <a:ext cx="9544782" cy="1769560"/>
       </dsp:txXfrm>
     </dsp:sp>
     <dsp:sp modelId="{3297E0AA-27C0-EF47-9AA5-511FB04387A9}">
@@ -1752,8 +1752,8 @@
       </dsp:nvSpPr>
       <dsp:spPr>
         <a:xfrm>
-          <a:off x="0" y="1333260"/>
-          <a:ext cx="7959560" cy="0"/>
+          <a:off x="0" y="1772155"/>
+          <a:ext cx="9544782" cy="0"/>
         </a:xfrm>
         <a:prstGeom prst="line">
           <a:avLst/>
@@ -1801,8 +1801,8 @@
       </dsp:nvSpPr>
       <dsp:spPr>
         <a:xfrm>
-          <a:off x="0" y="1333260"/>
-          <a:ext cx="7959560" cy="1331307"/>
+          <a:off x="0" y="1772155"/>
+          <a:ext cx="9544782" cy="1769560"/>
         </a:xfrm>
         <a:prstGeom prst="rect">
           <a:avLst/>
@@ -1826,12 +1826,12 @@
         <a:fontRef idx="minor"/>
       </dsp:style>
       <dsp:txBody>
-        <a:bodyPr spcFirstLastPara="0" vert="horz" wrap="square" lIns="76200" tIns="76200" rIns="76200" bIns="76200" numCol="1" spcCol="1270" anchor="t" anchorCtr="0">
+        <a:bodyPr spcFirstLastPara="0" vert="horz" wrap="square" lIns="95250" tIns="95250" rIns="95250" bIns="95250" numCol="1" spcCol="1270" anchor="t" anchorCtr="0">
           <a:noAutofit/>
         </a:bodyPr>
         <a:lstStyle/>
         <a:p>
-          <a:pPr marL="0" lvl="0" indent="0" algn="l" defTabSz="889000">
+          <a:pPr marL="0" lvl="0" indent="0" algn="l" defTabSz="1111250">
             <a:lnSpc>
               <a:spcPct val="90000"/>
             </a:lnSpc>
@@ -1844,154 +1844,154 @@
             <a:buNone/>
           </a:pPr>
           <a:r>
-            <a:rPr lang="en-US" sz="2000" kern="1200" dirty="0"/>
+            <a:rPr lang="en-US" sz="2500" kern="1200" dirty="0"/>
             <a:t>Este un </a:t>
           </a:r>
           <a:r>
-            <a:rPr lang="en-US" sz="2000" kern="1200" dirty="0" err="1"/>
+            <a:rPr lang="en-US" sz="2500" kern="1200" dirty="0" err="1"/>
             <a:t>proyecto</a:t>
           </a:r>
           <a:r>
-            <a:rPr lang="en-US" sz="2000" kern="1200" dirty="0"/>
+            <a:rPr lang="en-US" sz="2500" kern="1200" dirty="0"/>
             <a:t> de </a:t>
           </a:r>
           <a:r>
-            <a:rPr lang="en-US" sz="2000" kern="1200" dirty="0" err="1"/>
+            <a:rPr lang="en-US" sz="2500" kern="1200" dirty="0" err="1"/>
             <a:t>aprendizaje</a:t>
           </a:r>
           <a:r>
-            <a:rPr lang="en-US" sz="2000" kern="1200" dirty="0"/>
+            <a:rPr lang="en-US" sz="2500" kern="1200" dirty="0"/>
             <a:t> a lo largo de la </a:t>
           </a:r>
           <a:r>
-            <a:rPr lang="en-US" sz="2000" kern="1200" dirty="0" err="1"/>
+            <a:rPr lang="en-US" sz="2500" kern="1200" dirty="0" err="1"/>
             <a:t>vida</a:t>
           </a:r>
           <a:r>
-            <a:rPr lang="en-US" sz="2000" i="1" kern="1200" dirty="0"/>
+            <a:rPr lang="en-US" sz="2500" i="1" kern="1200" dirty="0"/>
             <a:t> (lifelong learning) </a:t>
           </a:r>
           <a:r>
-            <a:rPr lang="en-US" sz="2000" kern="1200" dirty="0"/>
+            <a:rPr lang="en-US" sz="2500" kern="1200" dirty="0"/>
             <a:t> que </a:t>
           </a:r>
           <a:r>
-            <a:rPr lang="en-US" sz="2000" kern="1200" dirty="0" err="1"/>
+            <a:rPr lang="en-US" sz="2500" kern="1200" dirty="0" err="1"/>
             <a:t>busca</a:t>
           </a:r>
           <a:r>
-            <a:rPr lang="en-US" sz="2000" kern="1200" dirty="0"/>
+            <a:rPr lang="en-US" sz="2500" kern="1200" dirty="0"/>
             <a:t> </a:t>
           </a:r>
           <a:r>
-            <a:rPr lang="en-US" sz="2000" kern="1200" dirty="0" err="1"/>
+            <a:rPr lang="en-US" sz="2500" kern="1200" dirty="0" err="1"/>
             <a:t>recalcar</a:t>
           </a:r>
           <a:r>
-            <a:rPr lang="en-US" sz="2000" kern="1200" dirty="0"/>
+            <a:rPr lang="en-US" sz="2500" kern="1200" dirty="0"/>
             <a:t> que la </a:t>
           </a:r>
           <a:r>
-            <a:rPr lang="en-US" sz="2000" kern="1200" dirty="0" err="1"/>
+            <a:rPr lang="en-US" sz="2500" kern="1200" dirty="0" err="1"/>
             <a:t>nuevas</a:t>
           </a:r>
           <a:r>
-            <a:rPr lang="en-US" sz="2000" kern="1200" dirty="0"/>
+            <a:rPr lang="en-US" sz="2500" kern="1200" dirty="0"/>
             <a:t> </a:t>
           </a:r>
           <a:r>
-            <a:rPr lang="en-US" sz="2000" kern="1200" dirty="0" err="1"/>
+            <a:rPr lang="en-US" sz="2500" kern="1200" dirty="0" err="1"/>
             <a:t>tecnologías</a:t>
           </a:r>
           <a:r>
-            <a:rPr lang="en-US" sz="2000" kern="1200" dirty="0"/>
+            <a:rPr lang="en-US" sz="2500" kern="1200" dirty="0"/>
             <a:t> </a:t>
           </a:r>
           <a:r>
-            <a:rPr lang="en-US" sz="2000" kern="1200" dirty="0" err="1"/>
+            <a:rPr lang="en-US" sz="2500" kern="1200" dirty="0" err="1"/>
             <a:t>enfocadas</a:t>
           </a:r>
           <a:r>
-            <a:rPr lang="en-US" sz="2000" kern="1200" dirty="0"/>
+            <a:rPr lang="en-US" sz="2500" kern="1200" dirty="0"/>
             <a:t> </a:t>
           </a:r>
           <a:r>
-            <a:rPr lang="en-US" sz="2000" kern="1200" dirty="0" err="1"/>
+            <a:rPr lang="en-US" sz="2500" kern="1200" dirty="0" err="1"/>
             <a:t>en</a:t>
           </a:r>
           <a:r>
-            <a:rPr lang="en-US" sz="2000" kern="1200" dirty="0"/>
+            <a:rPr lang="en-US" sz="2500" kern="1200" dirty="0"/>
             <a:t> la IA y el </a:t>
           </a:r>
           <a:r>
-            <a:rPr lang="en-US" sz="2000" kern="1200" dirty="0" err="1"/>
+            <a:rPr lang="en-US" sz="2500" kern="1200" dirty="0" err="1"/>
             <a:t>tratamiento</a:t>
           </a:r>
           <a:r>
-            <a:rPr lang="en-US" sz="2000" kern="1200" dirty="0"/>
+            <a:rPr lang="en-US" sz="2500" kern="1200" dirty="0"/>
             <a:t> de </a:t>
           </a:r>
           <a:r>
-            <a:rPr lang="en-US" sz="2000" kern="1200" dirty="0" err="1"/>
+            <a:rPr lang="en-US" sz="2500" kern="1200" dirty="0" err="1"/>
             <a:t>datos</a:t>
           </a:r>
           <a:r>
-            <a:rPr lang="en-US" sz="2000" kern="1200" dirty="0"/>
+            <a:rPr lang="en-US" sz="2500" kern="1200" dirty="0"/>
             <a:t> </a:t>
           </a:r>
           <a:r>
-            <a:rPr lang="en-US" sz="2000" kern="1200" dirty="0" err="1"/>
+            <a:rPr lang="en-US" sz="2500" kern="1200" dirty="0" err="1"/>
             <a:t>deben</a:t>
           </a:r>
           <a:r>
-            <a:rPr lang="en-US" sz="2000" kern="1200" dirty="0"/>
+            <a:rPr lang="en-US" sz="2500" kern="1200" dirty="0"/>
             <a:t> </a:t>
           </a:r>
           <a:r>
-            <a:rPr lang="en-US" sz="2000" kern="1200" dirty="0" err="1"/>
+            <a:rPr lang="en-US" sz="2500" kern="1200" dirty="0" err="1"/>
             <a:t>ir</a:t>
           </a:r>
           <a:r>
-            <a:rPr lang="en-US" sz="2000" kern="1200" dirty="0"/>
+            <a:rPr lang="en-US" sz="2500" kern="1200" dirty="0"/>
             <a:t> </a:t>
           </a:r>
           <a:r>
-            <a:rPr lang="en-US" sz="2000" kern="1200" dirty="0" err="1"/>
+            <a:rPr lang="en-US" sz="2500" kern="1200" dirty="0" err="1"/>
             <a:t>acompañadas</a:t>
           </a:r>
           <a:r>
-            <a:rPr lang="en-US" sz="2000" kern="1200" dirty="0"/>
+            <a:rPr lang="en-US" sz="2500" kern="1200" dirty="0"/>
             <a:t> de un </a:t>
           </a:r>
           <a:r>
-            <a:rPr lang="en-US" sz="2000" kern="1200" dirty="0" err="1"/>
+            <a:rPr lang="en-US" sz="2500" kern="1200" dirty="0" err="1"/>
             <a:t>estudio</a:t>
           </a:r>
           <a:r>
-            <a:rPr lang="en-US" sz="2000" kern="1200" dirty="0"/>
+            <a:rPr lang="en-US" sz="2500" kern="1200" dirty="0"/>
             <a:t> profundo y </a:t>
           </a:r>
           <a:r>
-            <a:rPr lang="en-US" sz="2000" kern="1200" dirty="0" err="1"/>
+            <a:rPr lang="en-US" sz="2500" kern="1200" dirty="0" err="1"/>
             <a:t>cuidadoso</a:t>
           </a:r>
           <a:r>
-            <a:rPr lang="en-US" sz="2000" kern="1200" dirty="0"/>
+            <a:rPr lang="en-US" sz="2500" kern="1200" dirty="0"/>
             <a:t> de las </a:t>
           </a:r>
           <a:r>
-            <a:rPr lang="en-US" sz="2000" kern="1200" dirty="0" err="1"/>
+            <a:rPr lang="en-US" sz="2500" kern="1200" dirty="0" err="1"/>
             <a:t>humanidades</a:t>
           </a:r>
           <a:r>
-            <a:rPr lang="en-US" sz="2000" kern="1200" dirty="0"/>
+            <a:rPr lang="en-US" sz="2500" kern="1200" dirty="0"/>
             <a:t>. </a:t>
           </a:r>
         </a:p>
       </dsp:txBody>
       <dsp:txXfrm>
-        <a:off x="0" y="1333260"/>
-        <a:ext cx="7959560" cy="1331307"/>
+        <a:off x="0" y="1772155"/>
+        <a:ext cx="9544782" cy="1769560"/>
       </dsp:txXfrm>
     </dsp:sp>
     <dsp:sp modelId="{CE7D4237-6052-3D40-A137-6B509063E77F}">
@@ -2001,8 +2001,8 @@
       </dsp:nvSpPr>
       <dsp:spPr>
         <a:xfrm>
-          <a:off x="0" y="2664567"/>
-          <a:ext cx="7959560" cy="0"/>
+          <a:off x="0" y="3541715"/>
+          <a:ext cx="9544782" cy="0"/>
         </a:xfrm>
         <a:prstGeom prst="line">
           <a:avLst/>
@@ -2050,8 +2050,8 @@
       </dsp:nvSpPr>
       <dsp:spPr>
         <a:xfrm>
-          <a:off x="0" y="2664567"/>
-          <a:ext cx="7959560" cy="1331307"/>
+          <a:off x="0" y="3541715"/>
+          <a:ext cx="9544782" cy="1769560"/>
         </a:xfrm>
         <a:prstGeom prst="rect">
           <a:avLst/>
@@ -2075,12 +2075,12 @@
         <a:fontRef idx="minor"/>
       </dsp:style>
       <dsp:txBody>
-        <a:bodyPr spcFirstLastPara="0" vert="horz" wrap="square" lIns="76200" tIns="76200" rIns="76200" bIns="76200" numCol="1" spcCol="1270" anchor="t" anchorCtr="0">
+        <a:bodyPr spcFirstLastPara="0" vert="horz" wrap="square" lIns="95250" tIns="95250" rIns="95250" bIns="95250" numCol="1" spcCol="1270" anchor="t" anchorCtr="0">
           <a:noAutofit/>
         </a:bodyPr>
         <a:lstStyle/>
         <a:p>
-          <a:pPr marL="0" lvl="0" indent="0" algn="l" defTabSz="889000">
+          <a:pPr marL="0" lvl="0" indent="0" algn="l" defTabSz="1111250">
             <a:lnSpc>
               <a:spcPct val="90000"/>
             </a:lnSpc>
@@ -2093,98 +2093,98 @@
             <a:buNone/>
           </a:pPr>
           <a:r>
-            <a:rPr lang="en-US" sz="2000" kern="1200" dirty="0" err="1"/>
+            <a:rPr lang="en-US" sz="2500" kern="1200" dirty="0" err="1"/>
             <a:t>Especialmente</a:t>
           </a:r>
           <a:r>
-            <a:rPr lang="en-US" sz="2000" kern="1200" dirty="0"/>
+            <a:rPr lang="en-US" sz="2500" kern="1200" dirty="0"/>
             <a:t> </a:t>
           </a:r>
           <a:r>
-            <a:rPr lang="en-US" sz="2000" kern="1200" dirty="0" err="1"/>
+            <a:rPr lang="en-US" sz="2500" kern="1200" dirty="0" err="1"/>
             <a:t>en</a:t>
           </a:r>
           <a:r>
-            <a:rPr lang="en-US" sz="2000" kern="1200" dirty="0"/>
+            <a:rPr lang="en-US" sz="2500" kern="1200" dirty="0"/>
             <a:t> </a:t>
           </a:r>
           <a:r>
-            <a:rPr lang="en-US" sz="2000" kern="1200" dirty="0" err="1"/>
+            <a:rPr lang="en-US" sz="2500" kern="1200" dirty="0" err="1"/>
             <a:t>esta</a:t>
           </a:r>
           <a:r>
-            <a:rPr lang="en-US" sz="2000" kern="1200" dirty="0"/>
+            <a:rPr lang="en-US" sz="2500" kern="1200" dirty="0"/>
             <a:t> </a:t>
           </a:r>
           <a:r>
-            <a:rPr lang="en-US" sz="2000" kern="1200" dirty="0" err="1"/>
+            <a:rPr lang="en-US" sz="2500" kern="1200" dirty="0" err="1"/>
             <a:t>época</a:t>
           </a:r>
           <a:r>
-            <a:rPr lang="en-US" sz="2000" kern="1200" dirty="0"/>
+            <a:rPr lang="en-US" sz="2500" kern="1200" dirty="0"/>
             <a:t> </a:t>
           </a:r>
           <a:r>
-            <a:rPr lang="en-US" sz="2000" kern="1200" dirty="0" err="1"/>
+            <a:rPr lang="en-US" sz="2500" kern="1200" dirty="0" err="1"/>
             <a:t>concentrada</a:t>
           </a:r>
           <a:r>
-            <a:rPr lang="en-US" sz="2000" kern="1200" dirty="0"/>
+            <a:rPr lang="en-US" sz="2500" kern="1200" dirty="0"/>
             <a:t> </a:t>
           </a:r>
           <a:r>
-            <a:rPr lang="en-US" sz="2000" kern="1200" dirty="0" err="1"/>
+            <a:rPr lang="en-US" sz="2500" kern="1200" dirty="0" err="1"/>
             <a:t>en</a:t>
           </a:r>
           <a:r>
-            <a:rPr lang="en-US" sz="2000" kern="1200" dirty="0"/>
+            <a:rPr lang="en-US" sz="2500" kern="1200" dirty="0"/>
             <a:t> </a:t>
           </a:r>
           <a:r>
-            <a:rPr lang="en-US" sz="2000" kern="1200" dirty="0" err="1"/>
+            <a:rPr lang="en-US" sz="2500" kern="1200" dirty="0" err="1"/>
             <a:t>inteligencia</a:t>
           </a:r>
           <a:r>
-            <a:rPr lang="en-US" sz="2000" kern="1200" dirty="0"/>
+            <a:rPr lang="en-US" sz="2500" kern="1200" dirty="0"/>
             <a:t> artificial y </a:t>
           </a:r>
           <a:r>
-            <a:rPr lang="en-US" sz="2000" kern="1200" dirty="0" err="1"/>
+            <a:rPr lang="en-US" sz="2500" kern="1200" dirty="0" err="1"/>
             <a:t>tecnología</a:t>
           </a:r>
           <a:r>
-            <a:rPr lang="en-US" sz="2000" kern="1200" dirty="0"/>
+            <a:rPr lang="en-US" sz="2500" kern="1200" dirty="0"/>
             <a:t>, </a:t>
           </a:r>
           <a:r>
-            <a:rPr lang="en-US" sz="2000" kern="1200" dirty="0" err="1"/>
+            <a:rPr lang="en-US" sz="2500" kern="1200" dirty="0" err="1"/>
             <a:t>debemos</a:t>
           </a:r>
           <a:r>
-            <a:rPr lang="en-US" sz="2000" kern="1200" dirty="0"/>
+            <a:rPr lang="en-US" sz="2500" kern="1200" dirty="0"/>
             <a:t> </a:t>
           </a:r>
           <a:r>
-            <a:rPr lang="en-US" sz="2000" kern="1200" dirty="0" err="1"/>
+            <a:rPr lang="en-US" sz="2500" kern="1200" dirty="0" err="1"/>
             <a:t>recordar</a:t>
           </a:r>
           <a:r>
-            <a:rPr lang="en-US" sz="2000" kern="1200" dirty="0"/>
+            <a:rPr lang="en-US" sz="2500" kern="1200" dirty="0"/>
             <a:t> que lo que </a:t>
           </a:r>
           <a:r>
-            <a:rPr lang="en-US" sz="2000" kern="1200" dirty="0" err="1"/>
+            <a:rPr lang="en-US" sz="2500" kern="1200" dirty="0" err="1"/>
             <a:t>importa</a:t>
           </a:r>
           <a:r>
-            <a:rPr lang="en-US" sz="2000" kern="1200" dirty="0"/>
+            <a:rPr lang="en-US" sz="2500" kern="1200" dirty="0"/>
             <a:t> son las personas. </a:t>
           </a:r>
         </a:p>
       </dsp:txBody>
       <dsp:txXfrm>
-        <a:off x="0" y="2664567"/>
-        <a:ext cx="7959560" cy="1331307"/>
+        <a:off x="0" y="3541715"/>
+        <a:ext cx="9544782" cy="1769560"/>
       </dsp:txXfrm>
     </dsp:sp>
   </dsp:spTree>
@@ -3773,7 +3773,7 @@
           <a:p>
             <a:fld id="{54D42A37-A779-DA4B-8EB6-DEC62D17CADF}" type="datetimeFigureOut">
               <a:rPr lang="en-CO" smtClean="0"/>
-              <a:t>01/27/2021</a:t>
+              <a:t>11/02/21</a:t>
             </a:fld>
             <a:endParaRPr lang="en-CO"/>
           </a:p>
@@ -3932,7 +3932,7 @@
           <a:p>
             <a:fld id="{D291681C-0715-5F41-95BF-C7EF605801C6}" type="slidenum">
               <a:rPr lang="en-CO" smtClean="0"/>
-              <a:t>‹Nº›</a:t>
+              <a:t>‹#›</a:t>
             </a:fld>
             <a:endParaRPr lang="en-CO"/>
           </a:p>
@@ -4426,7 +4426,7 @@
           <a:p>
             <a:fld id="{9AB3A824-1A51-4B26-AD58-A6D8E14F6C04}" type="datetimeFigureOut">
               <a:rPr lang="en-US" dirty="0"/>
-              <a:t>1/27/2021</a:t>
+              <a:t>2/11/21</a:t>
             </a:fld>
             <a:endParaRPr lang="en-US" dirty="0"/>
           </a:p>
@@ -4472,7 +4472,7 @@
           <a:p>
             <a:fld id="{6D22F896-40B5-4ADD-8801-0D06FADFA095}" type="slidenum">
               <a:rPr lang="en-US" dirty="0"/>
-              <a:t>‹Nº›</a:t>
+              <a:t>‹#›</a:t>
             </a:fld>
             <a:endParaRPr lang="en-US" dirty="0"/>
           </a:p>
@@ -4760,7 +4760,7 @@
           <a:p>
             <a:fld id="{D857E33E-8B18-4087-B112-809917729534}" type="datetimeFigureOut">
               <a:rPr lang="en-US" dirty="0"/>
-              <a:t>1/27/2021</a:t>
+              <a:t>2/11/21</a:t>
             </a:fld>
             <a:endParaRPr lang="en-US" dirty="0"/>
           </a:p>
@@ -4806,7 +4806,7 @@
           <a:p>
             <a:fld id="{6D22F896-40B5-4ADD-8801-0D06FADFA095}" type="slidenum">
               <a:rPr lang="en-US" dirty="0"/>
-              <a:t>‹Nº›</a:t>
+              <a:t>‹#›</a:t>
             </a:fld>
             <a:endParaRPr lang="en-US" dirty="0"/>
           </a:p>
@@ -5062,7 +5062,7 @@
           <a:p>
             <a:fld id="{D3FFE419-2371-464F-8239-3959401C3561}" type="datetimeFigureOut">
               <a:rPr lang="en-US" dirty="0"/>
-              <a:t>1/27/2021</a:t>
+              <a:t>2/11/21</a:t>
             </a:fld>
             <a:endParaRPr lang="en-US" dirty="0"/>
           </a:p>
@@ -5108,7 +5108,7 @@
           <a:p>
             <a:fld id="{6D22F896-40B5-4ADD-8801-0D06FADFA095}" type="slidenum">
               <a:rPr lang="en-US" dirty="0"/>
-              <a:t>‹Nº›</a:t>
+              <a:t>‹#›</a:t>
             </a:fld>
             <a:endParaRPr lang="en-US" dirty="0"/>
           </a:p>
@@ -5309,7 +5309,7 @@
           <a:p>
             <a:fld id="{97D162C4-EDD9-4389-A98B-B87ECEA2A816}" type="datetimeFigureOut">
               <a:rPr lang="en-US" dirty="0"/>
-              <a:t>1/27/2021</a:t>
+              <a:t>2/11/21</a:t>
             </a:fld>
             <a:endParaRPr lang="en-US" dirty="0"/>
           </a:p>
@@ -5355,7 +5355,7 @@
           <a:p>
             <a:fld id="{6D22F896-40B5-4ADD-8801-0D06FADFA095}" type="slidenum">
               <a:rPr lang="en-US" dirty="0"/>
-              <a:t>‹Nº›</a:t>
+              <a:t>‹#›</a:t>
             </a:fld>
             <a:endParaRPr lang="en-US" dirty="0"/>
           </a:p>
@@ -5716,7 +5716,7 @@
           <a:p>
             <a:fld id="{3E5059C3-6A89-4494-99FF-5A4D6FFD50EB}" type="datetimeFigureOut">
               <a:rPr lang="en-US" dirty="0"/>
-              <a:t>1/27/2021</a:t>
+              <a:t>2/11/21</a:t>
             </a:fld>
             <a:endParaRPr lang="en-US" dirty="0"/>
           </a:p>
@@ -5762,7 +5762,7 @@
           <a:p>
             <a:fld id="{6D22F896-40B5-4ADD-8801-0D06FADFA095}" type="slidenum">
               <a:rPr lang="en-US" dirty="0"/>
-              <a:t>‹Nº›</a:t>
+              <a:t>‹#›</a:t>
             </a:fld>
             <a:endParaRPr lang="en-US" dirty="0"/>
           </a:p>
@@ -6030,7 +6030,7 @@
           <a:p>
             <a:fld id="{CA954B2F-12DE-47F5-8894-472B206D2E1E}" type="datetimeFigureOut">
               <a:rPr lang="en-US" dirty="0"/>
-              <a:t>1/27/2021</a:t>
+              <a:t>2/11/21</a:t>
             </a:fld>
             <a:endParaRPr lang="en-US" dirty="0"/>
           </a:p>
@@ -6076,7 +6076,7 @@
           <a:p>
             <a:fld id="{6D22F896-40B5-4ADD-8801-0D06FADFA095}" type="slidenum">
               <a:rPr lang="en-US" dirty="0"/>
-              <a:t>‹Nº›</a:t>
+              <a:t>‹#›</a:t>
             </a:fld>
             <a:endParaRPr lang="en-US" dirty="0"/>
           </a:p>
@@ -6574,7 +6574,7 @@
           <a:p>
             <a:fld id="{3F30E46F-7819-4ACF-B48B-48222C2ACC88}" type="datetimeFigureOut">
               <a:rPr lang="en-US" dirty="0"/>
-              <a:t>1/27/2021</a:t>
+              <a:t>2/11/21</a:t>
             </a:fld>
             <a:endParaRPr lang="en-US" dirty="0"/>
           </a:p>
@@ -6620,7 +6620,7 @@
           <a:p>
             <a:fld id="{6D22F896-40B5-4ADD-8801-0D06FADFA095}" type="slidenum">
               <a:rPr lang="en-US" dirty="0"/>
-              <a:t>‹Nº›</a:t>
+              <a:t>‹#›</a:t>
             </a:fld>
             <a:endParaRPr lang="en-US" dirty="0"/>
           </a:p>
@@ -6769,7 +6769,7 @@
           <a:p>
             <a:fld id="{1FAF3416-4057-4DAA-829D-4CA07428D088}" type="datetimeFigureOut">
               <a:rPr lang="en-US" dirty="0"/>
-              <a:t>1/27/2021</a:t>
+              <a:t>2/11/21</a:t>
             </a:fld>
             <a:endParaRPr lang="en-US" dirty="0"/>
           </a:p>
@@ -6815,7 +6815,7 @@
           <a:p>
             <a:fld id="{6D22F896-40B5-4ADD-8801-0D06FADFA095}" type="slidenum">
               <a:rPr lang="en-US" dirty="0"/>
-              <a:t>‹Nº›</a:t>
+              <a:t>‹#›</a:t>
             </a:fld>
             <a:endParaRPr lang="en-US" dirty="0"/>
           </a:p>
@@ -6982,7 +6982,7 @@
           <a:p>
             <a:fld id="{921D9284-D300-4297-87F7-E791DCC15DB1}" type="datetimeFigureOut">
               <a:rPr lang="en-US" dirty="0"/>
-              <a:t>1/27/2021</a:t>
+              <a:t>2/11/21</a:t>
             </a:fld>
             <a:endParaRPr lang="en-US" dirty="0"/>
           </a:p>
@@ -7028,7 +7028,7 @@
           <a:p>
             <a:fld id="{6D22F896-40B5-4ADD-8801-0D06FADFA095}" type="slidenum">
               <a:rPr lang="en-US" dirty="0"/>
-              <a:t>‹Nº›</a:t>
+              <a:t>‹#›</a:t>
             </a:fld>
             <a:endParaRPr lang="en-US" dirty="0"/>
           </a:p>
@@ -7351,7 +7351,7 @@
           <a:p>
             <a:fld id="{37D525BB-DA17-4BA0-B3C8-3AC3ABC827E6}" type="datetimeFigureOut">
               <a:rPr lang="en-US" dirty="0"/>
-              <a:t>1/27/2021</a:t>
+              <a:t>2/11/21</a:t>
             </a:fld>
             <a:endParaRPr lang="en-US" dirty="0"/>
           </a:p>
@@ -7397,7 +7397,7 @@
           <a:p>
             <a:fld id="{6D22F896-40B5-4ADD-8801-0D06FADFA095}" type="slidenum">
               <a:rPr lang="en-US" dirty="0"/>
-              <a:t>‹Nº›</a:t>
+              <a:t>‹#›</a:t>
             </a:fld>
             <a:endParaRPr lang="en-US" dirty="0"/>
           </a:p>
@@ -7754,7 +7754,7 @@
           <a:p>
             <a:fld id="{B16C4C9A-3960-41CF-A4E9-2A8FB932454B}" type="datetimeFigureOut">
               <a:rPr lang="en-US" dirty="0"/>
-              <a:t>1/27/2021</a:t>
+              <a:t>2/11/21</a:t>
             </a:fld>
             <a:endParaRPr lang="en-US" dirty="0"/>
           </a:p>
@@ -7800,7 +7800,7 @@
           <a:p>
             <a:fld id="{6D22F896-40B5-4ADD-8801-0D06FADFA095}" type="slidenum">
               <a:rPr lang="en-US" dirty="0"/>
-              <a:t>‹Nº›</a:t>
+              <a:t>‹#›</a:t>
             </a:fld>
             <a:endParaRPr lang="en-US" dirty="0"/>
           </a:p>
@@ -8065,7 +8065,7 @@
           <a:p>
             <a:fld id="{3CBC1C18-307B-4F68-A007-B5B542270E8D}" type="datetimeFigureOut">
               <a:rPr lang="en-US" dirty="0"/>
-              <a:t>1/27/2021</a:t>
+              <a:t>2/11/21</a:t>
             </a:fld>
             <a:endParaRPr lang="en-US" dirty="0"/>
           </a:p>
@@ -8148,7 +8148,7 @@
             <a:fld id="{6D22F896-40B5-4ADD-8801-0D06FADFA095}" type="slidenum">
               <a:rPr lang="en-US" dirty="0"/>
               <a:pPr/>
-              <a:t>‹Nº›</a:t>
+              <a:t>‹#›</a:t>
             </a:fld>
             <a:endParaRPr lang="en-US" dirty="0"/>
           </a:p>
@@ -9035,10 +9035,10 @@
       </p:grpSpPr>
       <p:sp>
         <p:nvSpPr>
-          <p:cNvPr id="2" name="Título 1">
+          <p:cNvPr id="2" name="Title 1">
             <a:extLst>
               <a:ext uri="{FF2B5EF4-FFF2-40B4-BE49-F238E27FC236}">
-                <a16:creationId xmlns:a16="http://schemas.microsoft.com/office/drawing/2014/main" id="{4A0A5D48-6F97-4BA1-8F1D-6F8D0F9D6E32}"/>
+                <a16:creationId xmlns:a16="http://schemas.microsoft.com/office/drawing/2014/main" id="{CECDEA4D-6673-4643-B3BC-877BF18A84BE}"/>
               </a:ext>
             </a:extLst>
           </p:cNvPr>
@@ -9049,7 +9049,12 @@
             <p:ph type="title"/>
           </p:nvPr>
         </p:nvSpPr>
-        <p:spPr/>
+        <p:spPr>
+          <a:xfrm>
+            <a:off x="2611808" y="376735"/>
+            <a:ext cx="7958331" cy="1077229"/>
+          </a:xfrm>
+        </p:spPr>
         <p:txBody>
           <a:bodyPr>
             <a:normAutofit fontScale="90000"/>
@@ -9057,38 +9062,66 @@
           <a:lstStyle/>
           <a:p>
             <a:r>
-              <a:rPr lang="en-CO" dirty="0"/>
-              <a:t>Luces en la niebla: </a:t>
-            </a:r>
-            <a:r>
-              <a:rPr lang="es-MX" dirty="0">
-                <a:latin typeface="Segoe UI" panose="020B0502040204020203" pitchFamily="34" charset="0"/>
-              </a:rPr>
-              <a:t>H</a:t>
-            </a:r>
-            <a:r>
-              <a:rPr lang="es-MX" b="0" i="0" dirty="0">
-                <a:effectLst/>
-                <a:latin typeface="Segoe UI" panose="020B0502040204020203" pitchFamily="34" charset="0"/>
-              </a:rPr>
-              <a:t>ábitos de lectura en las mujeres en el XIX</a:t>
+              <a:rPr lang="en-US" dirty="0" err="1"/>
+              <a:t>Mujeres</a:t>
+            </a:r>
+            <a:r>
+              <a:rPr lang="en-US" dirty="0"/>
+              <a:t> </a:t>
+            </a:r>
+            <a:r>
+              <a:rPr lang="en-US" dirty="0" err="1"/>
+              <a:t>lectoras</a:t>
+            </a:r>
+            <a:r>
+              <a:rPr lang="en-US" dirty="0"/>
+              <a:t> </a:t>
+            </a:r>
+            <a:r>
+              <a:rPr lang="en-US" dirty="0" err="1"/>
+              <a:t>en</a:t>
+            </a:r>
+            <a:r>
+              <a:rPr lang="en-US" dirty="0"/>
+              <a:t> el </a:t>
+            </a:r>
+            <a:r>
+              <a:rPr lang="en-US" dirty="0" err="1"/>
+              <a:t>Siglo</a:t>
+            </a:r>
+            <a:r>
+              <a:rPr lang="en-US" dirty="0"/>
+              <a:t> XIX </a:t>
+            </a:r>
+            <a:r>
+              <a:rPr lang="en-US" dirty="0" err="1"/>
+              <a:t>en</a:t>
+            </a:r>
+            <a:r>
+              <a:rPr lang="en-US" dirty="0"/>
+              <a:t> </a:t>
+            </a:r>
+            <a:r>
+              <a:rPr lang="en-US" dirty="0" err="1"/>
+              <a:t>Latinoamérica</a:t>
+            </a:r>
+            <a:r>
+              <a:rPr lang="en-US" dirty="0"/>
+              <a:t> </a:t>
             </a:r>
             <a:br>
-              <a:rPr lang="es-MX" b="0" i="0" dirty="0">
-                <a:effectLst/>
-                <a:latin typeface="Segoe UI" panose="020B0502040204020203" pitchFamily="34" charset="0"/>
-              </a:rPr>
+              <a:rPr lang="en-US" dirty="0"/>
             </a:br>
-            <a:endParaRPr lang="es-CO" dirty="0"/>
+            <a:endParaRPr lang="en-CO" dirty="0"/>
           </a:p>
         </p:txBody>
       </p:sp>
       <p:sp>
         <p:nvSpPr>
-          <p:cNvPr id="3" name="Marcador de contenido 2">
+          <p:cNvPr id="3" name="Content Placeholder 2">
             <a:extLst>
               <a:ext uri="{FF2B5EF4-FFF2-40B4-BE49-F238E27FC236}">
-                <a16:creationId xmlns:a16="http://schemas.microsoft.com/office/drawing/2014/main" id="{FAD37C66-374E-4DEA-B703-86327AD9C670}"/>
+                <a16:creationId xmlns:a16="http://schemas.microsoft.com/office/drawing/2014/main" id="{70F3AA36-E5F0-BF43-A4BF-51CC61B0B032}"/>
               </a:ext>
             </a:extLst>
           </p:cNvPr>
@@ -9099,19 +9132,600 @@
             <p:ph idx="1"/>
           </p:nvPr>
         </p:nvSpPr>
-        <p:spPr/>
+        <p:spPr>
+          <a:xfrm>
+            <a:off x="1422400" y="2195836"/>
+            <a:ext cx="9147739" cy="4164659"/>
+          </a:xfrm>
+        </p:spPr>
         <p:txBody>
-          <a:bodyPr/>
+          <a:bodyPr>
+            <a:noAutofit/>
+          </a:bodyPr>
           <a:lstStyle/>
           <a:p>
-            <a:endParaRPr lang="es-CO" dirty="0"/>
+            <a:r>
+              <a:rPr lang="en-US" dirty="0"/>
+              <a:t>Las </a:t>
+            </a:r>
+            <a:r>
+              <a:rPr lang="en-US" dirty="0" err="1"/>
+              <a:t>imágenes</a:t>
+            </a:r>
+            <a:r>
+              <a:rPr lang="en-US" dirty="0"/>
+              <a:t> de las </a:t>
+            </a:r>
+            <a:r>
+              <a:rPr lang="en-US" dirty="0" err="1"/>
+              <a:t>mujeres</a:t>
+            </a:r>
+            <a:r>
+              <a:rPr lang="en-US" dirty="0"/>
+              <a:t> que </a:t>
+            </a:r>
+            <a:r>
+              <a:rPr lang="en-US" dirty="0" err="1"/>
+              <a:t>leen</a:t>
+            </a:r>
+            <a:r>
+              <a:rPr lang="en-US" dirty="0"/>
+              <a:t> se </a:t>
+            </a:r>
+            <a:r>
+              <a:rPr lang="en-US" dirty="0" err="1"/>
+              <a:t>difunden</a:t>
+            </a:r>
+            <a:r>
+              <a:rPr lang="en-US" dirty="0"/>
+              <a:t> </a:t>
+            </a:r>
+            <a:r>
+              <a:rPr lang="en-US" dirty="0" err="1"/>
+              <a:t>ampliamente</a:t>
+            </a:r>
+            <a:r>
+              <a:rPr lang="en-US" dirty="0"/>
+              <a:t> </a:t>
+            </a:r>
+            <a:r>
+              <a:rPr lang="en-US" dirty="0" err="1"/>
+              <a:t>durante</a:t>
+            </a:r>
+            <a:r>
+              <a:rPr lang="en-US" dirty="0"/>
+              <a:t> el </a:t>
+            </a:r>
+            <a:r>
+              <a:rPr lang="en-US" dirty="0" err="1"/>
+              <a:t>Siglo</a:t>
+            </a:r>
+            <a:r>
+              <a:rPr lang="en-US" dirty="0"/>
+              <a:t> XIX </a:t>
+            </a:r>
+            <a:r>
+              <a:rPr lang="en-US" dirty="0" err="1"/>
+              <a:t>en</a:t>
+            </a:r>
+            <a:r>
+              <a:rPr lang="en-US" dirty="0"/>
+              <a:t> </a:t>
+            </a:r>
+            <a:r>
+              <a:rPr lang="en-US" dirty="0" err="1"/>
+              <a:t>Latinoamérica</a:t>
+            </a:r>
+            <a:r>
+              <a:rPr lang="en-US" dirty="0"/>
+              <a:t>. </a:t>
+            </a:r>
+          </a:p>
+          <a:p>
+            <a:r>
+              <a:rPr lang="en-US" dirty="0" err="1"/>
+              <a:t>Literatura</a:t>
+            </a:r>
+            <a:r>
+              <a:rPr lang="en-US" dirty="0"/>
+              <a:t>, </a:t>
+            </a:r>
+            <a:r>
+              <a:rPr lang="en-US" dirty="0" err="1"/>
+              <a:t>prensa</a:t>
+            </a:r>
+            <a:r>
+              <a:rPr lang="en-US" dirty="0"/>
+              <a:t>, pintura, </a:t>
+            </a:r>
+            <a:r>
+              <a:rPr lang="en-US" dirty="0" err="1"/>
+              <a:t>moda</a:t>
+            </a:r>
+            <a:r>
+              <a:rPr lang="en-US" dirty="0"/>
+              <a:t> </a:t>
+            </a:r>
+            <a:r>
+              <a:rPr lang="en-US" dirty="0" err="1"/>
+              <a:t>hacen</a:t>
+            </a:r>
+            <a:r>
+              <a:rPr lang="en-US" dirty="0"/>
+              <a:t> </a:t>
+            </a:r>
+            <a:r>
+              <a:rPr lang="en-US" dirty="0" err="1"/>
+              <a:t>parte</a:t>
+            </a:r>
+            <a:r>
+              <a:rPr lang="en-US" dirty="0"/>
+              <a:t> de los </a:t>
+            </a:r>
+            <a:r>
+              <a:rPr lang="en-US" dirty="0" err="1"/>
+              <a:t>temas</a:t>
+            </a:r>
+            <a:r>
+              <a:rPr lang="en-US" dirty="0"/>
+              <a:t> a los que </a:t>
+            </a:r>
+            <a:r>
+              <a:rPr lang="en-US" dirty="0" err="1"/>
+              <a:t>tiene</a:t>
+            </a:r>
+            <a:r>
+              <a:rPr lang="en-US" dirty="0"/>
+              <a:t> </a:t>
+            </a:r>
+            <a:r>
+              <a:rPr lang="en-US" dirty="0" err="1"/>
+              <a:t>acceso</a:t>
+            </a:r>
+            <a:r>
+              <a:rPr lang="en-US" dirty="0"/>
+              <a:t> “el bello </a:t>
+            </a:r>
+            <a:r>
+              <a:rPr lang="en-US" dirty="0" err="1"/>
+              <a:t>sexo</a:t>
+            </a:r>
+            <a:r>
+              <a:rPr lang="en-US" dirty="0"/>
+              <a:t>” –</a:t>
+            </a:r>
+            <a:r>
+              <a:rPr lang="en-US" dirty="0" err="1"/>
+              <a:t>clasificación</a:t>
+            </a:r>
+            <a:r>
+              <a:rPr lang="en-US" dirty="0"/>
+              <a:t> usual </a:t>
+            </a:r>
+            <a:r>
+              <a:rPr lang="en-US" dirty="0" err="1"/>
+              <a:t>desde</a:t>
+            </a:r>
+            <a:r>
+              <a:rPr lang="en-US" dirty="0"/>
+              <a:t> la </a:t>
+            </a:r>
+            <a:r>
+              <a:rPr lang="en-US" dirty="0" err="1"/>
+              <a:t>segunda</a:t>
+            </a:r>
+            <a:r>
+              <a:rPr lang="en-US" dirty="0"/>
+              <a:t> </a:t>
+            </a:r>
+            <a:r>
+              <a:rPr lang="en-US" dirty="0" err="1"/>
+              <a:t>mitad</a:t>
+            </a:r>
+            <a:r>
+              <a:rPr lang="en-US" dirty="0"/>
+              <a:t> del XIX para </a:t>
+            </a:r>
+            <a:r>
+              <a:rPr lang="en-US" dirty="0" err="1"/>
+              <a:t>referirse</a:t>
+            </a:r>
+            <a:r>
+              <a:rPr lang="en-US" dirty="0"/>
+              <a:t> a las </a:t>
+            </a:r>
+            <a:r>
+              <a:rPr lang="en-US" dirty="0" err="1"/>
+              <a:t>mujeres</a:t>
+            </a:r>
+            <a:r>
+              <a:rPr lang="en-US" dirty="0"/>
+              <a:t> que </a:t>
+            </a:r>
+            <a:r>
+              <a:rPr lang="en-US" dirty="0" err="1"/>
+              <a:t>aparece</a:t>
+            </a:r>
+            <a:r>
+              <a:rPr lang="en-US" dirty="0"/>
+              <a:t>, </a:t>
+            </a:r>
+            <a:r>
+              <a:rPr lang="en-US" dirty="0" err="1"/>
+              <a:t>incluso</a:t>
+            </a:r>
+            <a:r>
+              <a:rPr lang="en-US" dirty="0"/>
+              <a:t>, </a:t>
+            </a:r>
+            <a:r>
+              <a:rPr lang="en-US" dirty="0" err="1"/>
+              <a:t>en</a:t>
+            </a:r>
+            <a:r>
+              <a:rPr lang="en-US" dirty="0"/>
+              <a:t> el </a:t>
+            </a:r>
+            <a:r>
+              <a:rPr lang="en-US" dirty="0" err="1"/>
+              <a:t>título</a:t>
+            </a:r>
+            <a:r>
+              <a:rPr lang="en-US" dirty="0"/>
+              <a:t> de uno de los </a:t>
+            </a:r>
+            <a:r>
+              <a:rPr lang="en-US" dirty="0" err="1"/>
+              <a:t>periódicos</a:t>
+            </a:r>
+            <a:r>
+              <a:rPr lang="en-US" dirty="0"/>
+              <a:t> </a:t>
+            </a:r>
+            <a:r>
+              <a:rPr lang="en-US" dirty="0" err="1"/>
+              <a:t>más</a:t>
+            </a:r>
+            <a:r>
+              <a:rPr lang="en-US" dirty="0"/>
+              <a:t> </a:t>
+            </a:r>
+            <a:r>
+              <a:rPr lang="en-US" dirty="0" err="1"/>
+              <a:t>famosos</a:t>
+            </a:r>
+            <a:r>
+              <a:rPr lang="en-US" dirty="0"/>
+              <a:t> </a:t>
+            </a:r>
+            <a:r>
+              <a:rPr lang="en-US" dirty="0" err="1"/>
+              <a:t>en</a:t>
+            </a:r>
+            <a:r>
+              <a:rPr lang="en-US" dirty="0"/>
+              <a:t> Colombia, </a:t>
+            </a:r>
+            <a:r>
+              <a:rPr lang="en-US" dirty="0" err="1"/>
+              <a:t>dirigido</a:t>
+            </a:r>
+            <a:r>
+              <a:rPr lang="en-US" dirty="0"/>
+              <a:t> </a:t>
+            </a:r>
+            <a:r>
+              <a:rPr lang="en-US" dirty="0" err="1"/>
+              <a:t>precisamente</a:t>
+            </a:r>
+            <a:r>
+              <a:rPr lang="en-US" dirty="0"/>
+              <a:t> por Soledad Acosta de Samper.</a:t>
+            </a:r>
+          </a:p>
+          <a:p>
+            <a:r>
+              <a:rPr lang="en-US" dirty="0"/>
+              <a:t>Las </a:t>
+            </a:r>
+            <a:r>
+              <a:rPr lang="en-US" dirty="0" err="1"/>
+              <a:t>mujeres</a:t>
+            </a:r>
+            <a:r>
+              <a:rPr lang="en-US" dirty="0"/>
+              <a:t>, </a:t>
+            </a:r>
+            <a:r>
+              <a:rPr lang="en-US" dirty="0" err="1"/>
+              <a:t>entonces</a:t>
+            </a:r>
+            <a:r>
+              <a:rPr lang="en-US" dirty="0"/>
+              <a:t>, </a:t>
+            </a:r>
+            <a:r>
+              <a:rPr lang="en-US" dirty="0" err="1"/>
+              <a:t>como</a:t>
+            </a:r>
+            <a:r>
+              <a:rPr lang="en-US" dirty="0"/>
+              <a:t> </a:t>
+            </a:r>
+            <a:r>
+              <a:rPr lang="en-US" dirty="0" err="1"/>
+              <a:t>ahora</a:t>
+            </a:r>
+            <a:r>
+              <a:rPr lang="en-US" dirty="0"/>
+              <a:t>, </a:t>
+            </a:r>
+            <a:r>
+              <a:rPr lang="en-US" dirty="0" err="1"/>
+              <a:t>buscan</a:t>
+            </a:r>
+            <a:r>
+              <a:rPr lang="en-US" dirty="0"/>
+              <a:t> </a:t>
+            </a:r>
+            <a:r>
+              <a:rPr lang="en-US" dirty="0" err="1"/>
+              <a:t>respuesta</a:t>
+            </a:r>
+            <a:r>
+              <a:rPr lang="en-US" dirty="0"/>
+              <a:t> a sus </a:t>
+            </a:r>
+            <a:r>
+              <a:rPr lang="en-US" dirty="0" err="1"/>
+              <a:t>preguntas</a:t>
+            </a:r>
+            <a:r>
+              <a:rPr lang="en-US" dirty="0"/>
+              <a:t> </a:t>
+            </a:r>
+            <a:r>
+              <a:rPr lang="en-US" dirty="0" err="1"/>
+              <a:t>existenciales</a:t>
+            </a:r>
+            <a:r>
+              <a:rPr lang="en-US" dirty="0"/>
+              <a:t> </a:t>
+            </a:r>
+            <a:r>
+              <a:rPr lang="en-US" dirty="0" err="1"/>
+              <a:t>en</a:t>
+            </a:r>
+            <a:r>
+              <a:rPr lang="en-US" dirty="0"/>
+              <a:t> las </a:t>
+            </a:r>
+            <a:r>
+              <a:rPr lang="en-US" dirty="0" err="1"/>
+              <a:t>publicaciones</a:t>
+            </a:r>
+            <a:r>
+              <a:rPr lang="en-US" dirty="0"/>
+              <a:t>, </a:t>
+            </a:r>
+            <a:r>
+              <a:rPr lang="en-US" dirty="0" err="1"/>
+              <a:t>pero</a:t>
+            </a:r>
+            <a:r>
+              <a:rPr lang="en-US" dirty="0"/>
+              <a:t> los </a:t>
+            </a:r>
+            <a:r>
+              <a:rPr lang="en-US" dirty="0" err="1"/>
+              <a:t>temas</a:t>
+            </a:r>
+            <a:r>
+              <a:rPr lang="en-US" dirty="0"/>
+              <a:t> que </a:t>
+            </a:r>
+            <a:r>
+              <a:rPr lang="en-US" dirty="0" err="1"/>
+              <a:t>tienen</a:t>
+            </a:r>
+            <a:r>
+              <a:rPr lang="en-US" dirty="0"/>
+              <a:t> a </a:t>
+            </a:r>
+            <a:r>
+              <a:rPr lang="en-US" dirty="0" err="1"/>
+              <a:t>su</a:t>
+            </a:r>
+            <a:r>
+              <a:rPr lang="en-US" dirty="0"/>
+              <a:t> </a:t>
+            </a:r>
+            <a:r>
+              <a:rPr lang="en-US" dirty="0" err="1"/>
+              <a:t>alcance</a:t>
+            </a:r>
+            <a:r>
+              <a:rPr lang="en-US" dirty="0"/>
+              <a:t> </a:t>
+            </a:r>
+            <a:r>
+              <a:rPr lang="en-US" dirty="0" err="1"/>
+              <a:t>están</a:t>
+            </a:r>
+            <a:r>
+              <a:rPr lang="en-US" dirty="0"/>
+              <a:t> </a:t>
+            </a:r>
+            <a:r>
+              <a:rPr lang="en-US" dirty="0" err="1"/>
+              <a:t>condicionados</a:t>
+            </a:r>
+            <a:r>
+              <a:rPr lang="en-US" dirty="0"/>
+              <a:t> por la </a:t>
+            </a:r>
+            <a:r>
+              <a:rPr lang="en-US" dirty="0" err="1"/>
+              <a:t>configuración</a:t>
+            </a:r>
+            <a:r>
+              <a:rPr lang="en-US" dirty="0"/>
+              <a:t> de </a:t>
+            </a:r>
+            <a:r>
+              <a:rPr lang="en-US" dirty="0" err="1"/>
+              <a:t>nación</a:t>
+            </a:r>
+            <a:r>
+              <a:rPr lang="en-US" dirty="0"/>
+              <a:t> e </a:t>
+            </a:r>
+            <a:r>
+              <a:rPr lang="en-US" dirty="0" err="1"/>
+              <a:t>identidad</a:t>
+            </a:r>
+            <a:r>
+              <a:rPr lang="en-US" dirty="0"/>
+              <a:t> que </a:t>
+            </a:r>
+            <a:r>
+              <a:rPr lang="en-US" dirty="0" err="1"/>
+              <a:t>incide</a:t>
+            </a:r>
+            <a:r>
+              <a:rPr lang="en-US" dirty="0"/>
+              <a:t> </a:t>
+            </a:r>
+            <a:r>
+              <a:rPr lang="en-US" dirty="0" err="1"/>
+              <a:t>también</a:t>
+            </a:r>
+            <a:r>
+              <a:rPr lang="en-US" dirty="0"/>
+              <a:t> </a:t>
+            </a:r>
+            <a:r>
+              <a:rPr lang="en-US" dirty="0" err="1"/>
+              <a:t>en</a:t>
+            </a:r>
+            <a:r>
+              <a:rPr lang="en-US" dirty="0"/>
+              <a:t> los que se </a:t>
+            </a:r>
+            <a:r>
+              <a:rPr lang="en-US" dirty="0" err="1"/>
+              <a:t>difunde</a:t>
+            </a:r>
+            <a:r>
+              <a:rPr lang="en-US" dirty="0"/>
+              <a:t> o </a:t>
+            </a:r>
+            <a:r>
+              <a:rPr lang="en-US" dirty="0" err="1"/>
+              <a:t>en</a:t>
+            </a:r>
+            <a:r>
+              <a:rPr lang="en-US" dirty="0"/>
+              <a:t> lo que </a:t>
+            </a:r>
+            <a:r>
+              <a:rPr lang="en-US" dirty="0" err="1"/>
+              <a:t>alcanza</a:t>
+            </a:r>
+            <a:r>
+              <a:rPr lang="en-US" dirty="0"/>
+              <a:t> </a:t>
+            </a:r>
+            <a:r>
+              <a:rPr lang="en-US" dirty="0" err="1"/>
+              <a:t>pocas</a:t>
+            </a:r>
+            <a:r>
+              <a:rPr lang="en-US" dirty="0"/>
+              <a:t> </a:t>
+            </a:r>
+            <a:r>
+              <a:rPr lang="en-US" dirty="0" err="1"/>
+              <a:t>entregas</a:t>
+            </a:r>
+            <a:r>
+              <a:rPr lang="en-US" dirty="0"/>
+              <a:t> y </a:t>
+            </a:r>
+            <a:r>
+              <a:rPr lang="en-US" dirty="0" err="1"/>
+              <a:t>desaparece</a:t>
+            </a:r>
+            <a:r>
+              <a:rPr lang="en-US" dirty="0"/>
+              <a:t> del mercado editorial. Las </a:t>
+            </a:r>
+            <a:r>
+              <a:rPr lang="en-US" dirty="0" err="1"/>
+              <a:t>lectoras</a:t>
+            </a:r>
+            <a:r>
+              <a:rPr lang="en-US" dirty="0"/>
+              <a:t> del XIX </a:t>
+            </a:r>
+            <a:r>
+              <a:rPr lang="en-US" dirty="0" err="1"/>
+              <a:t>constituyen</a:t>
+            </a:r>
+            <a:r>
+              <a:rPr lang="en-US" dirty="0"/>
+              <a:t> </a:t>
+            </a:r>
+            <a:r>
+              <a:rPr lang="en-US" dirty="0" err="1"/>
+              <a:t>así</a:t>
+            </a:r>
+            <a:r>
+              <a:rPr lang="en-US" dirty="0"/>
+              <a:t> una clave para </a:t>
+            </a:r>
+            <a:r>
+              <a:rPr lang="en-US" dirty="0" err="1"/>
+              <a:t>interpretar</a:t>
+            </a:r>
+            <a:r>
+              <a:rPr lang="en-US" dirty="0"/>
+              <a:t> las </a:t>
+            </a:r>
+            <a:r>
+              <a:rPr lang="en-US" dirty="0" err="1"/>
+              <a:t>encrucijadas</a:t>
+            </a:r>
+            <a:r>
+              <a:rPr lang="en-US" dirty="0"/>
+              <a:t> de la </a:t>
+            </a:r>
+            <a:r>
+              <a:rPr lang="en-US" dirty="0" err="1"/>
+              <a:t>vida</a:t>
+            </a:r>
+            <a:r>
+              <a:rPr lang="en-US" dirty="0"/>
+              <a:t> </a:t>
+            </a:r>
+            <a:r>
+              <a:rPr lang="en-US" dirty="0" err="1"/>
+              <a:t>moderna</a:t>
+            </a:r>
+            <a:r>
+              <a:rPr lang="en-US" dirty="0"/>
+              <a:t>.</a:t>
+            </a:r>
+          </a:p>
+          <a:p>
+            <a:endParaRPr lang="en-CO" dirty="0"/>
           </a:p>
         </p:txBody>
       </p:sp>
     </p:spTree>
     <p:extLst>
       <p:ext uri="{BB962C8B-B14F-4D97-AF65-F5344CB8AC3E}">
-        <p14:creationId xmlns:p14="http://schemas.microsoft.com/office/powerpoint/2010/main" val="3148053225"/>
+        <p14:creationId xmlns:p14="http://schemas.microsoft.com/office/powerpoint/2010/main" val="3680191129"/>
       </p:ext>
     </p:extLst>
   </p:cSld>
@@ -9143,7 +9757,7 @@
           <p:cNvPr id="2" name="Title 1">
             <a:extLst>
               <a:ext uri="{FF2B5EF4-FFF2-40B4-BE49-F238E27FC236}">
-                <a16:creationId xmlns:a16="http://schemas.microsoft.com/office/drawing/2014/main" id="{735ECE2E-61B4-FE4A-9D87-423440DD1A54}"/>
+                <a16:creationId xmlns:a16="http://schemas.microsoft.com/office/drawing/2014/main" id="{EE2A869E-D84D-8B41-9F63-27C6F3CB2750}"/>
               </a:ext>
             </a:extLst>
           </p:cNvPr>
@@ -9154,20 +9768,22 @@
             <p:ph type="title"/>
           </p:nvPr>
         </p:nvSpPr>
-        <p:spPr/>
+        <p:spPr>
+          <a:xfrm>
+            <a:off x="2286000" y="342230"/>
+            <a:ext cx="8601639" cy="1077229"/>
+          </a:xfrm>
+        </p:spPr>
         <p:txBody>
-          <a:bodyPr/>
+          <a:bodyPr>
+            <a:normAutofit fontScale="90000"/>
+          </a:bodyPr>
           <a:lstStyle/>
           <a:p>
             <a:r>
               <a:rPr lang="en-CO" dirty="0"/>
-              <a:t>Luces en la niebla: </a:t>
-            </a:r>
-            <a:r>
-              <a:rPr lang="es-419" dirty="0"/>
-              <a:t>Virtudes epistémicas</a:t>
-            </a:r>
-            <a:endParaRPr lang="en-CO" dirty="0"/>
+              <a:t>El cine como motor del pensamiento: una introducción a la filosofía desde la gran pantalla</a:t>
+            </a:r>
           </a:p>
         </p:txBody>
       </p:sp>
@@ -9176,7 +9792,7 @@
           <p:cNvPr id="3" name="Content Placeholder 2">
             <a:extLst>
               <a:ext uri="{FF2B5EF4-FFF2-40B4-BE49-F238E27FC236}">
-                <a16:creationId xmlns:a16="http://schemas.microsoft.com/office/drawing/2014/main" id="{53BA5263-D7D4-7448-902A-95D0217F2288}"/>
+                <a16:creationId xmlns:a16="http://schemas.microsoft.com/office/drawing/2014/main" id="{FA2F85D1-FF08-AE4F-A81D-E9E111EE4E76}"/>
               </a:ext>
             </a:extLst>
           </p:cNvPr>
@@ -9187,47 +9803,89 @@
             <p:ph idx="1"/>
           </p:nvPr>
         </p:nvSpPr>
-        <p:spPr/>
+        <p:spPr>
+          <a:xfrm>
+            <a:off x="1536699" y="3860321"/>
+            <a:ext cx="9118601" cy="3738065"/>
+          </a:xfrm>
+        </p:spPr>
         <p:txBody>
-          <a:bodyPr/>
+          <a:bodyPr>
+            <a:noAutofit/>
+          </a:bodyPr>
           <a:lstStyle/>
           <a:p>
             <a:r>
-              <a:rPr lang="es-419" dirty="0"/>
-              <a:t>Asombro y perplejidad</a:t>
-            </a:r>
-          </a:p>
-          <a:p>
-            <a:r>
-              <a:rPr lang="es-419" dirty="0"/>
-              <a:t>Pensamiento crítico</a:t>
-            </a:r>
-          </a:p>
-          <a:p>
-            <a:r>
-              <a:rPr lang="es-419" dirty="0"/>
-              <a:t>Cuidado de la verdad</a:t>
-            </a:r>
-          </a:p>
-          <a:p>
-            <a:r>
-              <a:rPr lang="es-419" dirty="0"/>
-              <a:t>Justicia</a:t>
-            </a:r>
-          </a:p>
-          <a:p>
-            <a:r>
-              <a:rPr lang="es-419" dirty="0"/>
-              <a:t> Autoconsciencia</a:t>
-            </a:r>
-            <a:endParaRPr lang="en-CO" dirty="0"/>
+              <a:rPr lang="en-CO" sz="2400" i="1" dirty="0"/>
+              <a:t>The Matrix: </a:t>
+            </a:r>
+            <a:r>
+              <a:rPr lang="en-CO" sz="2400" dirty="0"/>
+              <a:t>Si pudieses aprender cualquier cosa con oprimir un botón, ¿lo harías?</a:t>
+            </a:r>
+          </a:p>
+          <a:p>
+            <a:r>
+              <a:rPr lang="en-CO" sz="2400" i="1" dirty="0"/>
+              <a:t>The Truman show: </a:t>
+            </a:r>
+            <a:r>
+              <a:rPr lang="en-CO" sz="2400" dirty="0"/>
+              <a:t>Si pudieses vivir en un set centrado únicamente en ti, ¿lo harías?</a:t>
+            </a:r>
+          </a:p>
+          <a:p>
+            <a:r>
+              <a:rPr lang="en-US" sz="2400" i="1" dirty="0"/>
+              <a:t>Eternal Sunshine of the Spotless Mind: </a:t>
+            </a:r>
+            <a:r>
+              <a:rPr lang="en-CO" sz="2400" dirty="0"/>
+              <a:t>Si tuvieses la posibilidad de borrar tus recuerdos, ¿lo harías? </a:t>
+            </a:r>
+          </a:p>
+          <a:p>
+            <a:r>
+              <a:rPr lang="en-CO" sz="2400" i="1" dirty="0"/>
+              <a:t>Gattaca: </a:t>
+            </a:r>
+            <a:r>
+              <a:rPr lang="en-CO" sz="2400" dirty="0"/>
+              <a:t>Si tu vida está determinada, ¿eres libre?</a:t>
+            </a:r>
+          </a:p>
+          <a:p>
+            <a:r>
+              <a:rPr lang="en-CO" sz="2400" i="1" dirty="0"/>
+              <a:t>Memento</a:t>
+            </a:r>
+            <a:r>
+              <a:rPr lang="en-CO" sz="2400" dirty="0"/>
+              <a:t>: ¿Deberías tener siempre ideas fijas y firmes sea cual sea la situación?</a:t>
+            </a:r>
+            <a:endParaRPr lang="en-CO" sz="2400" i="1" dirty="0"/>
+          </a:p>
+          <a:p>
+            <a:endParaRPr lang="en-CO" sz="2400" dirty="0"/>
+          </a:p>
+          <a:p>
+            <a:endParaRPr lang="en-CO" sz="2400" dirty="0"/>
+          </a:p>
+          <a:p>
+            <a:endParaRPr lang="en-CO" sz="2400" dirty="0"/>
+          </a:p>
+          <a:p>
+            <a:endParaRPr lang="en-CO" sz="2400" i="1" dirty="0"/>
+          </a:p>
+          <a:p>
+            <a:endParaRPr lang="en-CO" sz="2400" i="1" dirty="0"/>
           </a:p>
         </p:txBody>
       </p:sp>
     </p:spTree>
     <p:extLst>
       <p:ext uri="{BB962C8B-B14F-4D97-AF65-F5344CB8AC3E}">
-        <p14:creationId xmlns:p14="http://schemas.microsoft.com/office/powerpoint/2010/main" val="1634647308"/>
+        <p14:creationId xmlns:p14="http://schemas.microsoft.com/office/powerpoint/2010/main" val="1175188442"/>
       </p:ext>
     </p:extLst>
   </p:cSld>
@@ -9259,7 +9917,7 @@
           <p:cNvPr id="2" name="Title 1">
             <a:extLst>
               <a:ext uri="{FF2B5EF4-FFF2-40B4-BE49-F238E27FC236}">
-                <a16:creationId xmlns:a16="http://schemas.microsoft.com/office/drawing/2014/main" id="{EE2A869E-D84D-8B41-9F63-27C6F3CB2750}"/>
+                <a16:creationId xmlns:a16="http://schemas.microsoft.com/office/drawing/2014/main" id="{735ECE2E-61B4-FE4A-9D87-423440DD1A54}"/>
               </a:ext>
             </a:extLst>
           </p:cNvPr>
@@ -9270,14 +9928,19 @@
             <p:ph type="title"/>
           </p:nvPr>
         </p:nvSpPr>
-        <p:spPr/>
+        <p:spPr>
+          <a:xfrm>
+            <a:off x="2821469" y="273218"/>
+            <a:ext cx="7958331" cy="1077229"/>
+          </a:xfrm>
+        </p:spPr>
         <p:txBody>
           <a:bodyPr/>
           <a:lstStyle/>
           <a:p>
             <a:r>
               <a:rPr lang="en-CO" dirty="0"/>
-              <a:t>Luces en la niebla: Mentes corporales</a:t>
+              <a:t>Virtudes epistémicas y el buen gobierno del pensamiento</a:t>
             </a:r>
           </a:p>
         </p:txBody>
@@ -9287,7 +9950,7 @@
           <p:cNvPr id="3" name="Content Placeholder 2">
             <a:extLst>
               <a:ext uri="{FF2B5EF4-FFF2-40B4-BE49-F238E27FC236}">
-                <a16:creationId xmlns:a16="http://schemas.microsoft.com/office/drawing/2014/main" id="{FA2F85D1-FF08-AE4F-A81D-E9E111EE4E76}"/>
+                <a16:creationId xmlns:a16="http://schemas.microsoft.com/office/drawing/2014/main" id="{53BA5263-D7D4-7448-902A-95D0217F2288}"/>
               </a:ext>
             </a:extLst>
           </p:cNvPr>
@@ -9298,101 +9961,64 @@
             <p:ph idx="1"/>
           </p:nvPr>
         </p:nvSpPr>
-        <p:spPr/>
+        <p:spPr>
+          <a:xfrm>
+            <a:off x="1000665" y="2860172"/>
+            <a:ext cx="10041146" cy="3997828"/>
+          </a:xfrm>
+        </p:spPr>
         <p:txBody>
-          <a:bodyPr/>
+          <a:bodyPr>
+            <a:noAutofit/>
+          </a:bodyPr>
           <a:lstStyle/>
           <a:p>
             <a:r>
-              <a:rPr lang="en-CO" dirty="0"/>
-              <a:t>Usualmente se distingue a la mente y el espíritu del cuerpo, de lo material. </a:t>
-            </a:r>
-          </a:p>
-          <a:p>
-            <a:r>
-              <a:rPr lang="en-US" dirty="0"/>
-              <a:t>Se </a:t>
-            </a:r>
-            <a:r>
-              <a:rPr lang="en-US" dirty="0" err="1"/>
-              <a:t>busca</a:t>
-            </a:r>
-            <a:r>
-              <a:rPr lang="en-US" dirty="0"/>
-              <a:t> </a:t>
-            </a:r>
-            <a:r>
-              <a:rPr lang="en-US" dirty="0" err="1"/>
-              <a:t>esclarecer</a:t>
-            </a:r>
-            <a:r>
-              <a:rPr lang="en-US" dirty="0"/>
-              <a:t> </a:t>
-            </a:r>
-            <a:r>
-              <a:rPr lang="en-US" dirty="0" err="1"/>
-              <a:t>nociones</a:t>
-            </a:r>
-            <a:r>
-              <a:rPr lang="en-US" dirty="0"/>
-              <a:t> </a:t>
-            </a:r>
-            <a:r>
-              <a:rPr lang="en-US" dirty="0" err="1"/>
-              <a:t>centrales</a:t>
-            </a:r>
-            <a:r>
-              <a:rPr lang="en-US" dirty="0"/>
-              <a:t> </a:t>
-            </a:r>
-            <a:r>
-              <a:rPr lang="en-US" dirty="0" err="1"/>
-              <a:t>en</a:t>
-            </a:r>
-            <a:r>
-              <a:rPr lang="en-US" dirty="0"/>
-              <a:t> la </a:t>
-            </a:r>
-            <a:r>
-              <a:rPr lang="en-US" dirty="0" err="1"/>
-              <a:t>comprensión</a:t>
-            </a:r>
-            <a:r>
-              <a:rPr lang="en-US" dirty="0"/>
-              <a:t> de la persona </a:t>
-            </a:r>
-            <a:r>
-              <a:rPr lang="en-US" dirty="0" err="1"/>
-              <a:t>humana</a:t>
-            </a:r>
-            <a:r>
-              <a:rPr lang="en-US" dirty="0"/>
-              <a:t> a la luz de un </a:t>
-            </a:r>
-            <a:r>
-              <a:rPr lang="en-US" dirty="0" err="1"/>
-              <a:t>diálogo</a:t>
-            </a:r>
-            <a:r>
-              <a:rPr lang="en-US" dirty="0"/>
-              <a:t> entre </a:t>
-            </a:r>
-            <a:r>
-              <a:rPr lang="en-US" dirty="0" err="1"/>
-              <a:t>ciencia</a:t>
-            </a:r>
-            <a:r>
-              <a:rPr lang="en-US" dirty="0"/>
-              <a:t> y </a:t>
-            </a:r>
-            <a:r>
-              <a:rPr lang="en-US" dirty="0" err="1"/>
-              <a:t>filosofía</a:t>
-            </a:r>
-            <a:r>
-              <a:rPr lang="en-US" dirty="0"/>
-              <a:t>.</a:t>
-            </a:r>
+              <a:rPr lang="en-CO" sz="2500" dirty="0"/>
+              <a:t>Hay disposiciones que nos llevan actividades que valoramos porque nos acercan al bien, así también hay disposiciones que nos llevan a actividades que valoramos porque nos acercan a la verdad y el conocimiento. </a:t>
+            </a:r>
+          </a:p>
+          <a:p>
+            <a:r>
+              <a:rPr lang="en-CO" sz="2500" dirty="0"/>
+              <a:t>El pensamiento crítico</a:t>
+            </a:r>
+          </a:p>
+          <a:p>
+            <a:r>
+              <a:rPr lang="en-CO" sz="2500" dirty="0"/>
+              <a:t>La confianza </a:t>
+            </a:r>
+          </a:p>
+          <a:p>
+            <a:r>
+              <a:rPr lang="en-CO" sz="2500" dirty="0"/>
+              <a:t>La humildad intelectual</a:t>
+            </a:r>
+          </a:p>
+          <a:p>
+            <a:r>
+              <a:rPr lang="en-US" sz="2500" dirty="0"/>
+              <a:t>L</a:t>
+            </a:r>
+            <a:r>
+              <a:rPr lang="en-CO" sz="2500" dirty="0"/>
+              <a:t>a rigurosidad</a:t>
+            </a:r>
+          </a:p>
+          <a:p>
+            <a:r>
+              <a:rPr lang="en-CO" sz="2500" dirty="0"/>
+              <a:t>La prudencia</a:t>
+            </a:r>
+          </a:p>
+          <a:p>
+            <a:endParaRPr lang="en-CO" dirty="0"/>
+          </a:p>
+          <a:p>
+            <a:endParaRPr lang="en-CO" dirty="0"/>
+          </a:p>
+          <a:p>
             <a:endParaRPr lang="en-CO" dirty="0"/>
           </a:p>
         </p:txBody>
@@ -9400,7 +10026,7 @@
     </p:spTree>
     <p:extLst>
       <p:ext uri="{BB962C8B-B14F-4D97-AF65-F5344CB8AC3E}">
-        <p14:creationId xmlns:p14="http://schemas.microsoft.com/office/powerpoint/2010/main" val="1175188442"/>
+        <p14:creationId xmlns:p14="http://schemas.microsoft.com/office/powerpoint/2010/main" val="1634647308"/>
       </p:ext>
     </p:extLst>
   </p:cSld>
@@ -9857,14 +10483,14 @@
             <p:ph idx="1"/>
             <p:extLst>
               <p:ext uri="{D42A27DB-BD31-4B8C-83A1-F6EECF244321}">
-                <p14:modId xmlns:p14="http://schemas.microsoft.com/office/powerpoint/2010/main" val="1988572506"/>
+                <p14:modId xmlns:p14="http://schemas.microsoft.com/office/powerpoint/2010/main" val="460552997"/>
               </p:ext>
             </p:extLst>
           </p:nvPr>
         </p:nvGraphicFramePr>
         <p:xfrm>
-          <a:off x="2610579" y="2052116"/>
-          <a:ext cx="7959560" cy="3997828"/>
+          <a:off x="1452343" y="1138687"/>
+          <a:ext cx="9544782" cy="5313871"/>
         </p:xfrm>
         <a:graphic>
           <a:graphicData uri="http://schemas.openxmlformats.org/drawingml/2006/diagram">
@@ -9918,19 +10544,26 @@
             <p:ph idx="1"/>
           </p:nvPr>
         </p:nvSpPr>
-        <p:spPr/>
+        <p:spPr>
+          <a:xfrm>
+            <a:off x="1466491" y="517585"/>
+            <a:ext cx="9103648" cy="5532359"/>
+          </a:xfrm>
+        </p:spPr>
         <p:txBody>
-          <a:bodyPr/>
+          <a:bodyPr>
+            <a:normAutofit/>
+          </a:bodyPr>
           <a:lstStyle/>
           <a:p>
             <a:r>
-              <a:rPr lang="en-CO" dirty="0"/>
-              <a:t>No todos los interesados en estudiar humanidades pueden seguir un programa académico tradicional, de pregrado o postgrado. A muchos, los horarios de su trabajo se lo impide.</a:t>
-            </a:r>
-          </a:p>
-          <a:p>
-            <a:r>
-              <a:rPr lang="en-CO" dirty="0"/>
+              <a:rPr lang="en-CO" sz="3200" dirty="0"/>
+              <a:t>No todos los interesados en estudiar humanidades pueden seguir un programa académico tradicional, de pregrado o postgrado. A muchos, el horario de su trabajo se lo impide.</a:t>
+            </a:r>
+          </a:p>
+          <a:p>
+            <a:r>
+              <a:rPr lang="en-CO" sz="3200" dirty="0"/>
               <a:t>Incluso los llamados cursos de extensión son demasiado inflexibles para las personas que tienen el interés pero no tienen el tiempo.</a:t>
             </a:r>
           </a:p>
@@ -10322,8 +10955,8 @@
         </p:nvSpPr>
         <p:spPr>
           <a:xfrm>
-            <a:off x="2610579" y="2052116"/>
-            <a:ext cx="7959560" cy="3997828"/>
+            <a:off x="1333500" y="495300"/>
+            <a:ext cx="10764929" cy="6083300"/>
           </a:xfrm>
         </p:spPr>
         <p:txBody>
@@ -10338,16 +10971,16 @@
               </a:lnSpc>
             </a:pPr>
             <a:r>
-              <a:rPr lang="en-CO" sz="1700" dirty="0"/>
-              <a:t>La universidad de tercera generación busca llegar a la sociedad de una manera más directa. Usualmente, se piensa que esto implica que la universidad busque solucionar los problemas del sector público y privado. P</a:t>
-            </a:r>
-            <a:r>
-              <a:rPr lang="en-US" sz="1700" dirty="0"/>
+              <a:rPr lang="en-CO" sz="2800" dirty="0"/>
+              <a:t>La universidad de tercera generación busca llegar a la sociedad de una manera más directa. Usualmente, se piensa que esto implica que la universidad busque solucionar los problemas del sector público y privado por fuera de la academia –p</a:t>
+            </a:r>
+            <a:r>
+              <a:rPr lang="en-US" sz="2800" dirty="0"/>
               <a:t>o</a:t>
             </a:r>
             <a:r>
-              <a:rPr lang="en-CO" sz="1700" dirty="0"/>
-              <a:t>r ejemplo, quese trata de ayudar a que una empresa privada resuelva problemas concretos, como, por ejemplo, optimizar su cadena de suministro.</a:t>
+              <a:rPr lang="en-CO" sz="2800" dirty="0"/>
+              <a:t>r ejemplo, que se trata de ayudar a que una empresa privada resuelva problemas concretos, como optimizar su cadena de suministro.</a:t>
             </a:r>
           </a:p>
           <a:p>
@@ -10357,8 +10990,20 @@
               </a:lnSpc>
             </a:pPr>
             <a:r>
-              <a:rPr lang="en-CO" sz="1700" dirty="0"/>
-              <a:t>Pero además, no se debe olvidar que la forma principal de llegar a la sociedad que tiene una universidad es por medio de la docencia. Así, la universidad de tercera generación también debe innovar en la forma en que enseña, en particular por fuera de los esquemas tradicionales de las carreras de pregrado y postgrado y cursos de extensión. </a:t>
+              <a:rPr lang="en-CO" sz="2800" dirty="0"/>
+              <a:t>Pero además, no se debe olvidar que la forma principal de llegar a la sociedad que tiene una universidad es por medio de la </a:t>
+            </a:r>
+            <a:r>
+              <a:rPr lang="en-CO" sz="2800" b="1" dirty="0"/>
+              <a:t>docencia</a:t>
+            </a:r>
+            <a:r>
+              <a:rPr lang="en-CO" sz="2800" dirty="0"/>
+              <a:t>. Así, la universidad de tercera generación también debe innovar en la forma en que enseña, en particular, por fuera de los esquemas tradicionales de las carreras de pregrado y postgrado y los cursos de extensión</a:t>
+            </a:r>
+            <a:r>
+              <a:rPr lang="en-CO" dirty="0"/>
+              <a:t>. </a:t>
             </a:r>
           </a:p>
         </p:txBody>
@@ -10796,22 +11441,22 @@
         </p:nvSpPr>
         <p:spPr>
           <a:xfrm>
-            <a:off x="6369474" y="2052116"/>
-            <a:ext cx="4203365" cy="3997828"/>
+            <a:off x="5920187" y="1620795"/>
+            <a:ext cx="4974605" cy="3997828"/>
           </a:xfrm>
         </p:spPr>
         <p:txBody>
           <a:bodyPr>
-            <a:normAutofit/>
+            <a:noAutofit/>
           </a:bodyPr>
           <a:lstStyle/>
           <a:p>
             <a:r>
-              <a:rPr lang="en-CO" sz="1800" i="1" dirty="0"/>
+              <a:rPr lang="en-CO" sz="2400" i="1" dirty="0"/>
               <a:t>Luces en la niebla </a:t>
             </a:r>
             <a:r>
-              <a:rPr lang="en-CO" sz="1800" dirty="0"/>
+              <a:rPr lang="en-CO" sz="2400" dirty="0"/>
               <a:t>busca llenar un vacío en la educación en humanidades de alta calidad, elaborada y presentada por expertos, para aquellos que no pueden matricularse en un programa de educación tradicional pero que desean aprender de las formas en que por siglos las humanidades han estudiado la condición humana.</a:t>
             </a:r>
           </a:p>
@@ -11591,8 +12236,8 @@
         </p:nvSpPr>
         <p:spPr>
           <a:xfrm>
-            <a:off x="1244394" y="1056786"/>
-            <a:ext cx="8513100" cy="6603470"/>
+            <a:off x="1244394" y="1242204"/>
+            <a:ext cx="8321613" cy="6418052"/>
           </a:xfrm>
           <a:prstGeom prst="rect">
             <a:avLst/>
@@ -11699,64 +12344,6 @@
                 <a:spcPts val="600"/>
               </a:spcAft>
             </a:pPr>
-            <a:r>
-              <a:rPr lang="en-US" sz="4800" dirty="0" err="1">
-                <a:latin typeface="+mj-lt"/>
-                <a:ea typeface="+mj-ea"/>
-                <a:cs typeface="+mj-cs"/>
-              </a:rPr>
-              <a:t>Siete</a:t>
-            </a:r>
-            <a:r>
-              <a:rPr lang="en-US" sz="4800" dirty="0">
-                <a:latin typeface="+mj-lt"/>
-                <a:ea typeface="+mj-ea"/>
-                <a:cs typeface="+mj-cs"/>
-              </a:rPr>
-              <a:t> </a:t>
-            </a:r>
-            <a:r>
-              <a:rPr lang="en-US" sz="4800" dirty="0" err="1">
-                <a:latin typeface="+mj-lt"/>
-                <a:ea typeface="+mj-ea"/>
-                <a:cs typeface="+mj-cs"/>
-              </a:rPr>
-              <a:t>capítulos</a:t>
-            </a:r>
-            <a:r>
-              <a:rPr lang="en-US" sz="4800" dirty="0">
-                <a:latin typeface="+mj-lt"/>
-                <a:ea typeface="+mj-ea"/>
-                <a:cs typeface="+mj-cs"/>
-              </a:rPr>
-              <a:t> de 20/30 </a:t>
-            </a:r>
-            <a:r>
-              <a:rPr lang="en-US" sz="4800" dirty="0" err="1">
-                <a:latin typeface="+mj-lt"/>
-                <a:ea typeface="+mj-ea"/>
-                <a:cs typeface="+mj-cs"/>
-              </a:rPr>
-              <a:t>minutos</a:t>
-            </a:r>
-            <a:endParaRPr lang="en-US" sz="4800" dirty="0">
-              <a:latin typeface="+mj-lt"/>
-              <a:ea typeface="+mj-ea"/>
-              <a:cs typeface="+mj-cs"/>
-            </a:endParaRPr>
-          </a:p>
-          <a:p>
-            <a:pPr defTabSz="914400">
-              <a:lnSpc>
-                <a:spcPct val="90000"/>
-              </a:lnSpc>
-              <a:spcBef>
-                <a:spcPct val="0"/>
-              </a:spcBef>
-              <a:spcAft>
-                <a:spcPts val="600"/>
-              </a:spcAft>
-            </a:pPr>
             <a:endParaRPr lang="en-US" sz="4800" dirty="0">
               <a:latin typeface="+mj-lt"/>
               <a:ea typeface="+mj-ea"/>
@@ -11783,23 +12370,7 @@
                 <a:ea typeface="+mj-ea"/>
                 <a:cs typeface="+mj-cs"/>
               </a:rPr>
-              <a:t>La </a:t>
-            </a:r>
-            <a:r>
-              <a:rPr lang="en-US" sz="4800" dirty="0" err="1">
-                <a:latin typeface="+mj-lt"/>
-                <a:ea typeface="+mj-ea"/>
-                <a:cs typeface="+mj-cs"/>
-              </a:rPr>
-              <a:t>belleza</a:t>
-            </a:r>
-            <a:r>
-              <a:rPr lang="en-US" sz="4800" dirty="0">
-                <a:latin typeface="+mj-lt"/>
-                <a:ea typeface="+mj-ea"/>
-                <a:cs typeface="+mj-cs"/>
-              </a:rPr>
-              <a:t> de las </a:t>
+              <a:t>La idea de las </a:t>
             </a:r>
             <a:r>
               <a:rPr lang="en-US" sz="4800" dirty="0" err="1">
@@ -11815,7 +12386,7 @@
                 <a:ea typeface="+mj-ea"/>
                 <a:cs typeface="+mj-cs"/>
               </a:rPr>
-              <a:t>. </a:t>
+              <a:t> y </a:t>
             </a:r>
             <a:r>
               <a:rPr lang="en-US" sz="4800" dirty="0" err="1">
@@ -11823,7 +12394,7 @@
                 <a:ea typeface="+mj-ea"/>
                 <a:cs typeface="+mj-cs"/>
               </a:rPr>
-              <a:t>Introducción</a:t>
+              <a:t>su</a:t>
             </a:r>
             <a:r>
               <a:rPr lang="en-US" sz="4800" dirty="0">
@@ -11831,23 +12402,7 @@
                 <a:ea typeface="+mj-ea"/>
                 <a:cs typeface="+mj-cs"/>
               </a:rPr>
-              <a:t> general al </a:t>
-            </a:r>
-            <a:r>
-              <a:rPr lang="en-US" sz="4800" dirty="0" err="1">
-                <a:latin typeface="+mj-lt"/>
-                <a:ea typeface="+mj-ea"/>
-                <a:cs typeface="+mj-cs"/>
-              </a:rPr>
-              <a:t>programa</a:t>
-            </a:r>
-            <a:r>
-              <a:rPr lang="en-US" sz="4800" dirty="0">
-                <a:latin typeface="+mj-lt"/>
-                <a:ea typeface="+mj-ea"/>
-                <a:cs typeface="+mj-cs"/>
-              </a:rPr>
-              <a:t>. </a:t>
+              <a:t> valor. </a:t>
             </a:r>
           </a:p>
           <a:p>
@@ -12473,8 +13028,21 @@
                 <a:ea typeface="+mj-ea"/>
                 <a:cs typeface="+mj-cs"/>
               </a:rPr>
-              <a:t>:</a:t>
-            </a:r>
+              <a:t>: </a:t>
+            </a:r>
+            <a:r>
+              <a:rPr lang="en-US" sz="4800" dirty="0" err="1">
+                <a:latin typeface="+mj-lt"/>
+                <a:ea typeface="+mj-ea"/>
+                <a:cs typeface="+mj-cs"/>
+              </a:rPr>
+              <a:t>parábolas</a:t>
+            </a:r>
+            <a:endParaRPr lang="en-US" sz="4800" dirty="0">
+              <a:latin typeface="+mj-lt"/>
+              <a:ea typeface="+mj-ea"/>
+              <a:cs typeface="+mj-cs"/>
+            </a:endParaRPr>
           </a:p>
           <a:p>
             <a:pPr marL="914400" indent="-914400" defTabSz="914400">
@@ -12790,7 +13358,7 @@
           <a:p>
             <a:r>
               <a:rPr lang="en-CO" dirty="0"/>
-              <a:t>Luces en la niebla: Resolución de conflictos y paz</a:t>
+              <a:t>Resolución de conflictos y paz</a:t>
             </a:r>
           </a:p>
         </p:txBody>
@@ -12811,25 +13379,32 @@
             <p:ph idx="1"/>
           </p:nvPr>
         </p:nvSpPr>
-        <p:spPr/>
+        <p:spPr>
+          <a:xfrm>
+            <a:off x="2053087" y="2052116"/>
+            <a:ext cx="8517052" cy="3997828"/>
+          </a:xfrm>
+        </p:spPr>
         <p:txBody>
-          <a:bodyPr/>
+          <a:bodyPr>
+            <a:normAutofit/>
+          </a:bodyPr>
           <a:lstStyle/>
           <a:p>
             <a:r>
-              <a:rPr lang="en-CO" dirty="0"/>
+              <a:rPr lang="en-CO" sz="2400" dirty="0"/>
               <a:t>Lecciones desde la filología clásica sobre la resolución de conflictos.</a:t>
             </a:r>
           </a:p>
           <a:p>
             <a:r>
-              <a:rPr lang="en-CO" dirty="0"/>
-              <a:t>Una guía sobre cómo realizar talleres didácticos en donde se enseñe el material sobre la resolución de conflictos y paz  a la vez que se enseña cómo utilizar el material para coordinar un taller.</a:t>
-            </a:r>
-          </a:p>
-          <a:p>
-            <a:r>
-              <a:rPr lang="en-CO" dirty="0"/>
+              <a:rPr lang="en-CO" sz="2400" dirty="0"/>
+              <a:t>Una guía sobre cómo realizar talleres didácticos en donde se enseñe el material sobre la resolución de conflictos y paz a la vez que se enseña cómo utilizar el material para coordinar un taller.</a:t>
+            </a:r>
+          </a:p>
+          <a:p>
+            <a:r>
+              <a:rPr lang="en-CO" sz="2400" dirty="0"/>
               <a:t>Se busca explicar el rol y la importancia de la filología para el presente.</a:t>
             </a:r>
           </a:p>
@@ -12867,10 +13442,10 @@
       </p:grpSpPr>
       <p:sp>
         <p:nvSpPr>
-          <p:cNvPr id="2" name="Título 1">
+          <p:cNvPr id="2" name="Title 1">
             <a:extLst>
               <a:ext uri="{FF2B5EF4-FFF2-40B4-BE49-F238E27FC236}">
-                <a16:creationId xmlns:a16="http://schemas.microsoft.com/office/drawing/2014/main" id="{DF29BB4B-9231-4F6E-887A-6D7057451204}"/>
+                <a16:creationId xmlns:a16="http://schemas.microsoft.com/office/drawing/2014/main" id="{77672E80-6B3E-A642-B780-23D7BC2CCDBB}"/>
               </a:ext>
             </a:extLst>
           </p:cNvPr>
@@ -12881,30 +13456,76 @@
             <p:ph type="title"/>
           </p:nvPr>
         </p:nvSpPr>
-        <p:spPr/>
+        <p:spPr>
+          <a:xfrm>
+            <a:off x="1835270" y="381494"/>
+            <a:ext cx="8855639" cy="1186785"/>
+          </a:xfrm>
+        </p:spPr>
         <p:txBody>
           <a:bodyPr>
-            <a:normAutofit fontScale="90000"/>
+            <a:normAutofit/>
           </a:bodyPr>
           <a:lstStyle/>
           <a:p>
-            <a:pPr algn="l"/>
-            <a:r>
-              <a:rPr lang="es-MX" b="0" i="0" dirty="0">
-                <a:effectLst/>
-                <a:latin typeface="Segoe UI" panose="020B0502040204020203" pitchFamily="34" charset="0"/>
-              </a:rPr>
-              <a:t>Del papiro al bit: historia de la transmisión del conocimiento en Occidente</a:t>
-            </a:r>
+            <a:r>
+              <a:rPr lang="en-US" dirty="0"/>
+              <a:t>Del </a:t>
+            </a:r>
+            <a:r>
+              <a:rPr lang="en-US" dirty="0" err="1"/>
+              <a:t>papiro</a:t>
+            </a:r>
+            <a:r>
+              <a:rPr lang="en-US" dirty="0"/>
+              <a:t> al bit: </a:t>
+            </a:r>
+            <a:r>
+              <a:rPr lang="en-US" dirty="0" err="1"/>
+              <a:t>historia</a:t>
+            </a:r>
+            <a:r>
+              <a:rPr lang="en-US" dirty="0"/>
+              <a:t> de la </a:t>
+            </a:r>
+            <a:r>
+              <a:rPr lang="en-US" dirty="0" err="1"/>
+              <a:t>transmisión</a:t>
+            </a:r>
+            <a:r>
+              <a:rPr lang="en-US" dirty="0"/>
+              <a:t> del </a:t>
+            </a:r>
+            <a:r>
+              <a:rPr lang="en-US" dirty="0" err="1"/>
+              <a:t>conocimiento</a:t>
+            </a:r>
+            <a:r>
+              <a:rPr lang="en-US" dirty="0"/>
+              <a:t> </a:t>
+            </a:r>
+            <a:r>
+              <a:rPr lang="en-US" dirty="0" err="1"/>
+              <a:t>en</a:t>
+            </a:r>
+            <a:r>
+              <a:rPr lang="en-US" dirty="0"/>
+              <a:t> </a:t>
+            </a:r>
+            <a:r>
+              <a:rPr lang="en-US" dirty="0" err="1"/>
+              <a:t>Occidente</a:t>
+            </a:r>
+            <a:endParaRPr lang="en-US" dirty="0"/>
           </a:p>
         </p:txBody>
       </p:sp>
       <p:sp>
         <p:nvSpPr>
-          <p:cNvPr id="3" name="Marcador de contenido 2">
+          <p:cNvPr id="3" name="Content Placeholder 2">
             <a:extLst>
               <a:ext uri="{FF2B5EF4-FFF2-40B4-BE49-F238E27FC236}">
-                <a16:creationId xmlns:a16="http://schemas.microsoft.com/office/drawing/2014/main" id="{F1E340CA-0A1D-4DC4-B605-23D68568DFBA}"/>
+                <a16:creationId xmlns:a16="http://schemas.microsoft.com/office/drawing/2014/main" id="{F4491DD3-18F7-444B-A75C-E34A25EDA429}"/>
               </a:ext>
             </a:extLst>
           </p:cNvPr>
@@ -12915,26 +13536,285 @@
             <p:ph idx="1"/>
           </p:nvPr>
         </p:nvSpPr>
-        <p:spPr/>
+        <p:spPr>
+          <a:xfrm>
+            <a:off x="1153064" y="1568279"/>
+            <a:ext cx="9885872" cy="3997828"/>
+          </a:xfrm>
+        </p:spPr>
         <p:txBody>
-          <a:bodyPr/>
+          <a:bodyPr>
+            <a:noAutofit/>
+          </a:bodyPr>
           <a:lstStyle/>
           <a:p>
-            <a:pPr algn="l"/>
-            <a:r>
-              <a:rPr lang="es-MX" b="0" i="0" dirty="0">
-                <a:effectLst/>
-                <a:latin typeface="Segoe UI" panose="020B0502040204020203" pitchFamily="34" charset="0"/>
-              </a:rPr>
-              <a:t>Del papiro al bit: historia de la transmisión del conocimiento en Occidente</a:t>
-            </a:r>
+            <a:endParaRPr lang="en-US" sz="2400" dirty="0"/>
+          </a:p>
+          <a:p>
+            <a:r>
+              <a:rPr lang="en-US" sz="2400" dirty="0"/>
+              <a:t>1.	El </a:t>
+            </a:r>
+            <a:r>
+              <a:rPr lang="en-US" sz="2400" dirty="0" err="1"/>
+              <a:t>libro</a:t>
+            </a:r>
+            <a:r>
+              <a:rPr lang="en-US" sz="2400" dirty="0"/>
+              <a:t> oral: </a:t>
+            </a:r>
+            <a:r>
+              <a:rPr lang="en-US" sz="2400" dirty="0" err="1"/>
+              <a:t>memoria</a:t>
+            </a:r>
+            <a:r>
+              <a:rPr lang="en-US" sz="2400" dirty="0"/>
+              <a:t> y </a:t>
+            </a:r>
+            <a:r>
+              <a:rPr lang="en-US" sz="2400" dirty="0" err="1"/>
+              <a:t>ritmo</a:t>
+            </a:r>
+            <a:endParaRPr lang="en-US" sz="2400" dirty="0"/>
+          </a:p>
+          <a:p>
+            <a:r>
+              <a:rPr lang="en-US" sz="2400" dirty="0"/>
+              <a:t>2.	</a:t>
+            </a:r>
+            <a:r>
+              <a:rPr lang="en-US" sz="2400" dirty="0" err="1"/>
+              <a:t>Primeros</a:t>
+            </a:r>
+            <a:r>
+              <a:rPr lang="en-US" sz="2400" dirty="0"/>
+              <a:t> </a:t>
+            </a:r>
+            <a:r>
+              <a:rPr lang="en-US" sz="2400" dirty="0" err="1"/>
+              <a:t>libros</a:t>
+            </a:r>
+            <a:r>
+              <a:rPr lang="en-US" sz="2400" dirty="0"/>
+              <a:t> </a:t>
+            </a:r>
+            <a:r>
+              <a:rPr lang="en-US" sz="2400" dirty="0" err="1"/>
+              <a:t>físicos</a:t>
+            </a:r>
+            <a:r>
+              <a:rPr lang="en-US" sz="2400" dirty="0"/>
+              <a:t>: </a:t>
+            </a:r>
+            <a:r>
+              <a:rPr lang="en-US" sz="2400" dirty="0" err="1"/>
+              <a:t>piedra</a:t>
+            </a:r>
+            <a:r>
+              <a:rPr lang="en-US" sz="2400" dirty="0"/>
+              <a:t>, </a:t>
+            </a:r>
+            <a:r>
+              <a:rPr lang="en-US" sz="2400" dirty="0" err="1"/>
+              <a:t>huesos</a:t>
+            </a:r>
+            <a:r>
+              <a:rPr lang="en-US" sz="2400" dirty="0"/>
+              <a:t>, </a:t>
+            </a:r>
+            <a:r>
+              <a:rPr lang="en-US" sz="2400" dirty="0" err="1"/>
+              <a:t>madera</a:t>
+            </a:r>
+            <a:r>
+              <a:rPr lang="en-US" sz="2400" dirty="0"/>
+              <a:t>, </a:t>
+            </a:r>
+            <a:r>
+              <a:rPr lang="en-US" sz="2400" dirty="0" err="1"/>
+              <a:t>arcilla</a:t>
+            </a:r>
+            <a:r>
+              <a:rPr lang="en-US" sz="2400" dirty="0"/>
+              <a:t>, </a:t>
+            </a:r>
+            <a:r>
+              <a:rPr lang="en-US" sz="2400" dirty="0" err="1"/>
+              <a:t>seda</a:t>
+            </a:r>
+            <a:r>
+              <a:rPr lang="en-US" sz="2400" dirty="0"/>
+              <a:t>, </a:t>
+            </a:r>
+            <a:r>
+              <a:rPr lang="en-US" sz="2400" dirty="0" err="1"/>
+              <a:t>escamas</a:t>
+            </a:r>
+            <a:endParaRPr lang="en-US" sz="2400" dirty="0"/>
+          </a:p>
+          <a:p>
+            <a:r>
+              <a:rPr lang="en-US" sz="2400" dirty="0"/>
+              <a:t>3.	El </a:t>
+            </a:r>
+            <a:r>
+              <a:rPr lang="en-US" sz="2400" dirty="0" err="1"/>
+              <a:t>papiro</a:t>
+            </a:r>
+            <a:r>
+              <a:rPr lang="en-US" sz="2400" dirty="0"/>
+              <a:t>: </a:t>
+            </a:r>
+            <a:r>
+              <a:rPr lang="en-US" sz="2400" dirty="0" err="1"/>
+              <a:t>Egipto</a:t>
+            </a:r>
+            <a:r>
+              <a:rPr lang="en-US" sz="2400" dirty="0"/>
+              <a:t>, Grecia y Roma</a:t>
+            </a:r>
+          </a:p>
+          <a:p>
+            <a:r>
+              <a:rPr lang="en-US" sz="2400" dirty="0"/>
+              <a:t>4.	El </a:t>
+            </a:r>
+            <a:r>
+              <a:rPr lang="en-US" sz="2400" dirty="0" err="1"/>
+              <a:t>pergamino</a:t>
+            </a:r>
+            <a:r>
+              <a:rPr lang="en-US" sz="2400" dirty="0"/>
+              <a:t>: la </a:t>
+            </a:r>
+            <a:r>
+              <a:rPr lang="en-US" sz="2400" dirty="0" err="1"/>
+              <a:t>leyenda</a:t>
+            </a:r>
+            <a:r>
+              <a:rPr lang="en-US" sz="2400" dirty="0"/>
+              <a:t> de la </a:t>
+            </a:r>
+            <a:r>
+              <a:rPr lang="en-US" sz="2400" dirty="0" err="1"/>
+              <a:t>Biblioteca</a:t>
+            </a:r>
+            <a:r>
+              <a:rPr lang="en-US" sz="2400" dirty="0"/>
+              <a:t> de </a:t>
+            </a:r>
+            <a:r>
+              <a:rPr lang="en-US" sz="2400" dirty="0" err="1"/>
+              <a:t>Pérgamo</a:t>
+            </a:r>
+            <a:endParaRPr lang="en-US" sz="2400" dirty="0"/>
+          </a:p>
+          <a:p>
+            <a:r>
+              <a:rPr lang="en-US" sz="2400" dirty="0"/>
+              <a:t>5.	El </a:t>
+            </a:r>
+            <a:r>
+              <a:rPr lang="en-US" sz="2400" dirty="0" err="1"/>
+              <a:t>códice</a:t>
+            </a:r>
+            <a:r>
+              <a:rPr lang="en-US" sz="2400" dirty="0"/>
+              <a:t>: la </a:t>
+            </a:r>
+            <a:r>
+              <a:rPr lang="en-US" sz="2400" dirty="0" err="1"/>
+              <a:t>Edad</a:t>
+            </a:r>
+            <a:r>
+              <a:rPr lang="en-US" sz="2400" dirty="0"/>
+              <a:t> Media y los </a:t>
+            </a:r>
+            <a:r>
+              <a:rPr lang="en-US" sz="2400" dirty="0" err="1"/>
+              <a:t>libros</a:t>
+            </a:r>
+            <a:r>
+              <a:rPr lang="en-US" sz="2400" dirty="0"/>
+              <a:t> de luz</a:t>
+            </a:r>
+          </a:p>
+          <a:p>
+            <a:r>
+              <a:rPr lang="en-US" sz="2400" dirty="0"/>
+              <a:t>6.	El </a:t>
+            </a:r>
+            <a:r>
+              <a:rPr lang="en-US" sz="2400" dirty="0" err="1"/>
+              <a:t>libro</a:t>
+            </a:r>
+            <a:r>
+              <a:rPr lang="en-US" sz="2400" dirty="0"/>
+              <a:t> </a:t>
+            </a:r>
+            <a:r>
+              <a:rPr lang="en-US" sz="2400" dirty="0" err="1"/>
+              <a:t>impreso</a:t>
+            </a:r>
+            <a:r>
+              <a:rPr lang="en-US" sz="2400" dirty="0"/>
+              <a:t>: la </a:t>
+            </a:r>
+            <a:r>
+              <a:rPr lang="en-US" sz="2400" dirty="0" err="1"/>
+              <a:t>difusión</a:t>
+            </a:r>
+            <a:r>
+              <a:rPr lang="en-US" sz="2400" dirty="0"/>
+              <a:t> del </a:t>
+            </a:r>
+            <a:r>
+              <a:rPr lang="en-US" sz="2400" dirty="0" err="1"/>
+              <a:t>conocimiento</a:t>
+            </a:r>
+            <a:r>
+              <a:rPr lang="en-US" sz="2400" dirty="0"/>
+              <a:t> a gran </a:t>
+            </a:r>
+            <a:r>
+              <a:rPr lang="en-US" sz="2400" dirty="0" err="1"/>
+              <a:t>escala</a:t>
+            </a:r>
+            <a:endParaRPr lang="en-US" sz="2400" dirty="0"/>
+          </a:p>
+          <a:p>
+            <a:r>
+              <a:rPr lang="en-US" sz="2400" dirty="0"/>
+              <a:t>7.	El </a:t>
+            </a:r>
+            <a:r>
+              <a:rPr lang="en-US" sz="2400" dirty="0" err="1"/>
+              <a:t>libro</a:t>
+            </a:r>
+            <a:r>
+              <a:rPr lang="en-US" sz="2400" dirty="0"/>
+              <a:t> digital: el </a:t>
+            </a:r>
+            <a:r>
+              <a:rPr lang="en-US" sz="2400" dirty="0" err="1"/>
+              <a:t>conocimiento</a:t>
+            </a:r>
+            <a:r>
+              <a:rPr lang="en-US" sz="2400" dirty="0"/>
+              <a:t> a un bit de </a:t>
+            </a:r>
+            <a:r>
+              <a:rPr lang="en-US" sz="2400" dirty="0" err="1"/>
+              <a:t>distancia</a:t>
+            </a:r>
+            <a:endParaRPr lang="en-CO" sz="2400" dirty="0"/>
           </a:p>
         </p:txBody>
       </p:sp>
     </p:spTree>
     <p:extLst>
       <p:ext uri="{BB962C8B-B14F-4D97-AF65-F5344CB8AC3E}">
-        <p14:creationId xmlns:p14="http://schemas.microsoft.com/office/powerpoint/2010/main" val="3829863540"/>
+        <p14:creationId xmlns:p14="http://schemas.microsoft.com/office/powerpoint/2010/main" val="830735102"/>
       </p:ext>
     </p:extLst>
   </p:cSld>
@@ -12977,7 +13857,12 @@
             <p:ph type="title"/>
           </p:nvPr>
         </p:nvSpPr>
-        <p:spPr/>
+        <p:spPr>
+          <a:xfrm>
+            <a:off x="1725284" y="583769"/>
+            <a:ext cx="8844856" cy="1077229"/>
+          </a:xfrm>
+        </p:spPr>
         <p:txBody>
           <a:bodyPr>
             <a:normAutofit fontScale="90000"/>
@@ -12985,8 +13870,52 @@
           <a:lstStyle/>
           <a:p>
             <a:r>
-              <a:rPr lang="en-CO" dirty="0"/>
-              <a:t>Luces en la niebla: </a:t>
+              <a:rPr lang="en-US" dirty="0" err="1"/>
+              <a:t>Simbologías</a:t>
+            </a:r>
+            <a:r>
+              <a:rPr lang="en-US" dirty="0"/>
+              <a:t> y </a:t>
+            </a:r>
+            <a:r>
+              <a:rPr lang="en-US" dirty="0" err="1"/>
+              <a:t>contenido</a:t>
+            </a:r>
+            <a:r>
+              <a:rPr lang="en-US" dirty="0"/>
+              <a:t> </a:t>
+            </a:r>
+            <a:r>
+              <a:rPr lang="en-US" dirty="0" err="1"/>
+              <a:t>metafórico</a:t>
+            </a:r>
+            <a:r>
+              <a:rPr lang="en-US" dirty="0"/>
+              <a:t> </a:t>
+            </a:r>
+            <a:r>
+              <a:rPr lang="en-US" dirty="0" err="1"/>
+              <a:t>en</a:t>
+            </a:r>
+            <a:r>
+              <a:rPr lang="en-US" dirty="0"/>
+              <a:t> las </a:t>
+            </a:r>
+            <a:r>
+              <a:rPr lang="en-US" dirty="0" err="1"/>
+              <a:t>nociones</a:t>
+            </a:r>
+            <a:r>
+              <a:rPr lang="en-US" dirty="0"/>
+              <a:t> </a:t>
+            </a:r>
+            <a:r>
+              <a:rPr lang="en-US" dirty="0" err="1"/>
+              <a:t>espaciales</a:t>
+            </a:r>
+            <a:r>
+              <a:rPr lang="en-US" dirty="0"/>
+              <a:t> </a:t>
             </a:r>
             <a:r>
               <a:rPr lang="en-US" dirty="0" err="1"/>
@@ -12994,7 +13923,7 @@
             </a:r>
             <a:r>
               <a:rPr lang="en-US" dirty="0"/>
-              <a:t>, </a:t>
+              <a:t> /</a:t>
             </a:r>
             <a:r>
               <a:rPr lang="en-US" dirty="0" err="1"/>
@@ -13002,34 +13931,31 @@
             </a:r>
             <a:r>
               <a:rPr lang="en-US" dirty="0"/>
-              <a:t> y </a:t>
+              <a:t>, dentro/</a:t>
             </a:r>
             <a:r>
               <a:rPr lang="en-US" dirty="0" err="1"/>
-              <a:t>centro</a:t>
+              <a:t>fuera</a:t>
             </a:r>
             <a:r>
               <a:rPr lang="en-US" dirty="0"/>
-              <a:t> </a:t>
+              <a:t>, </a:t>
             </a:r>
             <a:r>
               <a:rPr lang="en-US" dirty="0" err="1"/>
-              <a:t>como</a:t>
+              <a:t>diestra</a:t>
             </a:r>
             <a:r>
               <a:rPr lang="en-US" dirty="0"/>
-              <a:t> capital </a:t>
+              <a:t>/</a:t>
             </a:r>
             <a:r>
               <a:rPr lang="en-US" dirty="0" err="1"/>
-              <a:t>simbólico</a:t>
-            </a:r>
-            <a:br>
+              <a:t>siniestera</a:t>
+            </a:r>
+            <a:r>
               <a:rPr lang="en-US" dirty="0"/>
-            </a:br>
-            <a:r>
-              <a:rPr lang="en-CO" dirty="0"/>
-              <a:t> </a:t>
+              <a:t> </a:t>
             </a:r>
           </a:p>
         </p:txBody>
@@ -13050,33 +13976,351 @@
             <p:ph idx="1"/>
           </p:nvPr>
         </p:nvSpPr>
-        <p:spPr/>
+        <p:spPr>
+          <a:xfrm>
+            <a:off x="1069676" y="2458516"/>
+            <a:ext cx="9500464" cy="3997828"/>
+          </a:xfrm>
+        </p:spPr>
         <p:txBody>
-          <a:bodyPr/>
+          <a:bodyPr>
+            <a:normAutofit/>
+          </a:bodyPr>
           <a:lstStyle/>
           <a:p>
-            <a:pPr marL="0" indent="0">
-              <a:buNone/>
-            </a:pPr>
-            <a:r>
-              <a:rPr lang="en-CO" dirty="0"/>
-              <a:t>Alegorías, símbolos y metáforas que hablan de arriba, abajo y centro y su significado.</a:t>
-            </a:r>
-          </a:p>
-          <a:p>
-            <a:pPr marL="0" indent="0">
-              <a:buNone/>
-            </a:pPr>
-            <a:endParaRPr lang="en-CO" dirty="0"/>
-          </a:p>
-          <a:p>
-            <a:pPr marL="0" indent="0">
-              <a:buNone/>
-            </a:pPr>
-            <a:r>
-              <a:rPr lang="en-CO" dirty="0"/>
-              <a:t>Se busca explicar su rol y significado actual</a:t>
-            </a:r>
+            <a:r>
+              <a:rPr lang="en-US" sz="2400" dirty="0"/>
+              <a:t>Las </a:t>
+            </a:r>
+            <a:r>
+              <a:rPr lang="en-US" sz="2400" dirty="0" err="1"/>
+              <a:t>díadas</a:t>
+            </a:r>
+            <a:r>
+              <a:rPr lang="en-US" sz="2400" dirty="0"/>
+              <a:t> </a:t>
+            </a:r>
+            <a:r>
+              <a:rPr lang="en-US" sz="2400" dirty="0" err="1"/>
+              <a:t>espaciales</a:t>
+            </a:r>
+            <a:r>
+              <a:rPr lang="en-US" sz="2400" dirty="0"/>
+              <a:t>  (</a:t>
+            </a:r>
+            <a:r>
+              <a:rPr lang="en-US" sz="2400" dirty="0" err="1"/>
+              <a:t>arriba</a:t>
+            </a:r>
+            <a:r>
+              <a:rPr lang="en-US" sz="2400" dirty="0"/>
+              <a:t> / </a:t>
+            </a:r>
+            <a:r>
+              <a:rPr lang="en-US" sz="2400" dirty="0" err="1"/>
+              <a:t>abajo</a:t>
+            </a:r>
+            <a:r>
+              <a:rPr lang="en-US" sz="2400" dirty="0"/>
+              <a:t>, </a:t>
+            </a:r>
+            <a:r>
+              <a:rPr lang="en-US" sz="2400" dirty="0" err="1"/>
+              <a:t>cielo</a:t>
+            </a:r>
+            <a:r>
+              <a:rPr lang="en-US" sz="2400" dirty="0"/>
+              <a:t> / </a:t>
+            </a:r>
+            <a:r>
+              <a:rPr lang="en-US" sz="2400" dirty="0" err="1"/>
+              <a:t>infierno</a:t>
+            </a:r>
+            <a:r>
+              <a:rPr lang="en-US" sz="2400" dirty="0"/>
+              <a:t>, interior y exterior </a:t>
+            </a:r>
+            <a:r>
+              <a:rPr lang="en-US" sz="2400" dirty="0" err="1"/>
+              <a:t>desplazamientos</a:t>
+            </a:r>
+            <a:r>
+              <a:rPr lang="en-US" sz="2400" dirty="0"/>
+              <a:t> </a:t>
+            </a:r>
+            <a:r>
+              <a:rPr lang="en-US" sz="2400" dirty="0" err="1"/>
+              <a:t>centrípetos</a:t>
+            </a:r>
+            <a:r>
+              <a:rPr lang="en-US" sz="2400" dirty="0"/>
+              <a:t> y </a:t>
+            </a:r>
+            <a:r>
+              <a:rPr lang="en-US" sz="2400" dirty="0" err="1"/>
+              <a:t>centrífugos</a:t>
+            </a:r>
+            <a:r>
+              <a:rPr lang="en-US" sz="2400" dirty="0"/>
+              <a:t>) se </a:t>
+            </a:r>
+            <a:r>
+              <a:rPr lang="en-US" sz="2400" dirty="0" err="1"/>
+              <a:t>anclan</a:t>
+            </a:r>
+            <a:r>
+              <a:rPr lang="en-US" sz="2400" dirty="0"/>
+              <a:t> </a:t>
+            </a:r>
+            <a:r>
+              <a:rPr lang="en-US" sz="2400" dirty="0" err="1"/>
+              <a:t>en</a:t>
+            </a:r>
+            <a:r>
+              <a:rPr lang="en-US" sz="2400" dirty="0"/>
+              <a:t> </a:t>
+            </a:r>
+            <a:r>
+              <a:rPr lang="en-US" sz="2400" dirty="0" err="1"/>
+              <a:t>modelos</a:t>
+            </a:r>
+            <a:r>
+              <a:rPr lang="en-US" sz="2400" dirty="0"/>
+              <a:t> </a:t>
+            </a:r>
+            <a:r>
+              <a:rPr lang="en-US" sz="2400" dirty="0" err="1"/>
+              <a:t>geométricos</a:t>
+            </a:r>
+            <a:r>
+              <a:rPr lang="en-US" sz="2400" dirty="0"/>
+              <a:t> de </a:t>
+            </a:r>
+            <a:r>
+              <a:rPr lang="en-US" sz="2400" dirty="0" err="1"/>
+              <a:t>honda</a:t>
+            </a:r>
+            <a:r>
+              <a:rPr lang="en-US" sz="2400" dirty="0"/>
+              <a:t> </a:t>
+            </a:r>
+            <a:r>
+              <a:rPr lang="en-US" sz="2400" dirty="0" err="1"/>
+              <a:t>incidencia</a:t>
+            </a:r>
+            <a:r>
+              <a:rPr lang="en-US" sz="2400" dirty="0"/>
+              <a:t> </a:t>
+            </a:r>
+            <a:r>
+              <a:rPr lang="en-US" sz="2400" dirty="0" err="1"/>
+              <a:t>en</a:t>
+            </a:r>
+            <a:r>
+              <a:rPr lang="en-US" sz="2400" dirty="0"/>
+              <a:t> la </a:t>
+            </a:r>
+            <a:r>
+              <a:rPr lang="en-US" sz="2400" dirty="0" err="1"/>
+              <a:t>historia</a:t>
+            </a:r>
+            <a:r>
+              <a:rPr lang="en-US" sz="2400" dirty="0"/>
+              <a:t> cultural de </a:t>
+            </a:r>
+            <a:r>
+              <a:rPr lang="en-US" sz="2400" dirty="0" err="1"/>
+              <a:t>occidente</a:t>
+            </a:r>
+            <a:r>
+              <a:rPr lang="en-US" sz="2400" dirty="0"/>
+              <a:t>.</a:t>
+            </a:r>
+          </a:p>
+          <a:p>
+            <a:r>
+              <a:rPr lang="en-US" sz="2400" dirty="0"/>
+              <a:t>La </a:t>
+            </a:r>
+            <a:r>
+              <a:rPr lang="en-US" sz="2400" dirty="0" err="1"/>
+              <a:t>realidad</a:t>
+            </a:r>
+            <a:r>
+              <a:rPr lang="en-US" sz="2400" dirty="0"/>
+              <a:t> se </a:t>
+            </a:r>
+            <a:r>
+              <a:rPr lang="en-US" sz="2400" dirty="0" err="1"/>
+              <a:t>ordena</a:t>
+            </a:r>
+            <a:r>
+              <a:rPr lang="en-US" sz="2400" dirty="0"/>
+              <a:t> </a:t>
+            </a:r>
+            <a:r>
+              <a:rPr lang="en-US" sz="2400" dirty="0" err="1"/>
+              <a:t>así</a:t>
+            </a:r>
+            <a:r>
+              <a:rPr lang="en-US" sz="2400" dirty="0"/>
+              <a:t> </a:t>
+            </a:r>
+            <a:r>
+              <a:rPr lang="en-US" sz="2400" dirty="0" err="1"/>
+              <a:t>en</a:t>
+            </a:r>
+            <a:r>
+              <a:rPr lang="en-US" sz="2400" dirty="0"/>
+              <a:t> </a:t>
+            </a:r>
+            <a:r>
+              <a:rPr lang="en-US" sz="2400" dirty="0" err="1"/>
+              <a:t>función</a:t>
+            </a:r>
+            <a:r>
+              <a:rPr lang="en-US" sz="2400" dirty="0"/>
+              <a:t> de puntos </a:t>
+            </a:r>
+            <a:r>
+              <a:rPr lang="en-US" sz="2400" dirty="0" err="1"/>
+              <a:t>cardinales</a:t>
+            </a:r>
+            <a:r>
+              <a:rPr lang="en-US" sz="2400" dirty="0"/>
+              <a:t> y de </a:t>
+            </a:r>
+            <a:r>
+              <a:rPr lang="en-US" sz="2400" dirty="0" err="1"/>
+              <a:t>proyecciones</a:t>
+            </a:r>
+            <a:r>
+              <a:rPr lang="en-US" sz="2400" dirty="0"/>
+              <a:t> </a:t>
+            </a:r>
+            <a:r>
+              <a:rPr lang="en-US" sz="2400" dirty="0" err="1"/>
+              <a:t>en</a:t>
+            </a:r>
+            <a:r>
+              <a:rPr lang="en-US" sz="2400" dirty="0"/>
+              <a:t> el </a:t>
+            </a:r>
+            <a:r>
+              <a:rPr lang="en-US" sz="2400" dirty="0" err="1"/>
+              <a:t>espacio</a:t>
+            </a:r>
+            <a:r>
+              <a:rPr lang="en-US" sz="2400" dirty="0"/>
+              <a:t> </a:t>
+            </a:r>
+            <a:r>
+              <a:rPr lang="en-US" sz="2400" dirty="0" err="1"/>
+              <a:t>plenas</a:t>
+            </a:r>
+            <a:r>
+              <a:rPr lang="en-US" sz="2400" dirty="0"/>
+              <a:t> de </a:t>
+            </a:r>
+            <a:r>
+              <a:rPr lang="en-US" sz="2400" dirty="0" err="1"/>
+              <a:t>contenido</a:t>
+            </a:r>
+            <a:r>
+              <a:rPr lang="en-US" sz="2400" dirty="0"/>
+              <a:t> </a:t>
+            </a:r>
+            <a:r>
+              <a:rPr lang="en-US" sz="2400" dirty="0" err="1"/>
+              <a:t>simbólico</a:t>
+            </a:r>
+            <a:r>
+              <a:rPr lang="en-US" sz="2400" dirty="0"/>
+              <a:t> que </a:t>
+            </a:r>
+            <a:r>
+              <a:rPr lang="en-US" sz="2400" dirty="0" err="1"/>
+              <a:t>constituyen</a:t>
+            </a:r>
+            <a:r>
+              <a:rPr lang="en-US" sz="2400" dirty="0"/>
+              <a:t> </a:t>
+            </a:r>
+            <a:r>
+              <a:rPr lang="en-US" sz="2400" dirty="0" err="1"/>
+              <a:t>metáforas</a:t>
+            </a:r>
+            <a:r>
+              <a:rPr lang="en-US" sz="2400" dirty="0"/>
+              <a:t> </a:t>
+            </a:r>
+            <a:r>
+              <a:rPr lang="en-US" sz="2400" dirty="0" err="1"/>
+              <a:t>urdidas</a:t>
+            </a:r>
+            <a:r>
+              <a:rPr lang="en-US" sz="2400" dirty="0"/>
+              <a:t> a lo largo de la </a:t>
+            </a:r>
+            <a:r>
+              <a:rPr lang="en-US" sz="2400" dirty="0" err="1"/>
+              <a:t>historia</a:t>
+            </a:r>
+            <a:r>
+              <a:rPr lang="en-US" sz="2400" dirty="0"/>
+              <a:t>, </a:t>
+            </a:r>
+            <a:r>
+              <a:rPr lang="en-US" sz="2400" dirty="0" err="1"/>
+              <a:t>vigentes</a:t>
+            </a:r>
+            <a:r>
+              <a:rPr lang="en-US" sz="2400" dirty="0"/>
+              <a:t> </a:t>
+            </a:r>
+            <a:r>
+              <a:rPr lang="en-US" sz="2400" dirty="0" err="1"/>
+              <a:t>aún</a:t>
+            </a:r>
+            <a:r>
+              <a:rPr lang="en-US" sz="2400" dirty="0"/>
+              <a:t> </a:t>
+            </a:r>
+            <a:r>
+              <a:rPr lang="en-US" sz="2400" dirty="0" err="1"/>
+              <a:t>en</a:t>
+            </a:r>
+            <a:r>
+              <a:rPr lang="en-US" sz="2400" dirty="0"/>
+              <a:t> </a:t>
+            </a:r>
+            <a:r>
+              <a:rPr lang="en-US" sz="2400" dirty="0" err="1"/>
+              <a:t>nuestras</a:t>
+            </a:r>
+            <a:r>
+              <a:rPr lang="en-US" sz="2400" dirty="0"/>
+              <a:t> </a:t>
+            </a:r>
+            <a:r>
+              <a:rPr lang="en-US" sz="2400" dirty="0" err="1"/>
+              <a:t>construcciones</a:t>
+            </a:r>
+            <a:r>
+              <a:rPr lang="en-US" sz="2400" dirty="0"/>
+              <a:t> de </a:t>
+            </a:r>
+            <a:r>
+              <a:rPr lang="en-US" sz="2400" dirty="0" err="1"/>
+              <a:t>sentido</a:t>
+            </a:r>
+            <a:r>
+              <a:rPr lang="en-US" sz="2400" dirty="0"/>
+              <a:t>. </a:t>
+            </a:r>
+          </a:p>
+          <a:p>
+            <a:endParaRPr lang="en-CO" sz="2400" dirty="0"/>
           </a:p>
         </p:txBody>
       </p:sp>
